--- a/images/posts/post_1/images.pptx
+++ b/images/posts/post_1/images.pptx
@@ -6,6 +6,7 @@
   </p:sldMasterIdLst>
   <p:sldIdLst>
     <p:sldId id="256" r:id="rId2"/>
+    <p:sldId id="257" r:id="rId3"/>
   </p:sldIdLst>
   <p:sldSz cx="12192000" cy="6858000"/>
   <p:notesSz cx="6858000" cy="9144000"/>
@@ -104,6 +105,11 @@
       </a:defRPr>
     </a:lvl9pPr>
   </p:defaultTextStyle>
+  <p:extLst>
+    <p:ext uri="{EFAFB233-063F-42B5-8137-9DF3F51BA10A}">
+      <p15:sldGuideLst xmlns:p15="http://schemas.microsoft.com/office/powerpoint/2012/main"/>
+    </p:ext>
+  </p:extLst>
 </p:presentation>
 </file>
 
@@ -254,7 +260,7 @@
           <a:p>
             <a:fld id="{7637DEC7-006B-40F0-91CB-FFB307F5627D}" type="datetimeFigureOut">
               <a:rPr lang="zh-CN" altLang="en-US" smtClean="0"/>
-              <a:t>2025/7/3</a:t>
+              <a:t>2025/9/11</a:t>
             </a:fld>
             <a:endParaRPr lang="zh-CN" altLang="en-US"/>
           </a:p>
@@ -452,7 +458,7 @@
           <a:p>
             <a:fld id="{7637DEC7-006B-40F0-91CB-FFB307F5627D}" type="datetimeFigureOut">
               <a:rPr lang="zh-CN" altLang="en-US" smtClean="0"/>
-              <a:t>2025/7/3</a:t>
+              <a:t>2025/9/11</a:t>
             </a:fld>
             <a:endParaRPr lang="zh-CN" altLang="en-US"/>
           </a:p>
@@ -660,7 +666,7 @@
           <a:p>
             <a:fld id="{7637DEC7-006B-40F0-91CB-FFB307F5627D}" type="datetimeFigureOut">
               <a:rPr lang="zh-CN" altLang="en-US" smtClean="0"/>
-              <a:t>2025/7/3</a:t>
+              <a:t>2025/9/11</a:t>
             </a:fld>
             <a:endParaRPr lang="zh-CN" altLang="en-US"/>
           </a:p>
@@ -858,7 +864,7 @@
           <a:p>
             <a:fld id="{7637DEC7-006B-40F0-91CB-FFB307F5627D}" type="datetimeFigureOut">
               <a:rPr lang="zh-CN" altLang="en-US" smtClean="0"/>
-              <a:t>2025/7/3</a:t>
+              <a:t>2025/9/11</a:t>
             </a:fld>
             <a:endParaRPr lang="zh-CN" altLang="en-US"/>
           </a:p>
@@ -1133,7 +1139,7 @@
           <a:p>
             <a:fld id="{7637DEC7-006B-40F0-91CB-FFB307F5627D}" type="datetimeFigureOut">
               <a:rPr lang="zh-CN" altLang="en-US" smtClean="0"/>
-              <a:t>2025/7/3</a:t>
+              <a:t>2025/9/11</a:t>
             </a:fld>
             <a:endParaRPr lang="zh-CN" altLang="en-US"/>
           </a:p>
@@ -1398,7 +1404,7 @@
           <a:p>
             <a:fld id="{7637DEC7-006B-40F0-91CB-FFB307F5627D}" type="datetimeFigureOut">
               <a:rPr lang="zh-CN" altLang="en-US" smtClean="0"/>
-              <a:t>2025/7/3</a:t>
+              <a:t>2025/9/11</a:t>
             </a:fld>
             <a:endParaRPr lang="zh-CN" altLang="en-US"/>
           </a:p>
@@ -1810,7 +1816,7 @@
           <a:p>
             <a:fld id="{7637DEC7-006B-40F0-91CB-FFB307F5627D}" type="datetimeFigureOut">
               <a:rPr lang="zh-CN" altLang="en-US" smtClean="0"/>
-              <a:t>2025/7/3</a:t>
+              <a:t>2025/9/11</a:t>
             </a:fld>
             <a:endParaRPr lang="zh-CN" altLang="en-US"/>
           </a:p>
@@ -1951,7 +1957,7 @@
           <a:p>
             <a:fld id="{7637DEC7-006B-40F0-91CB-FFB307F5627D}" type="datetimeFigureOut">
               <a:rPr lang="zh-CN" altLang="en-US" smtClean="0"/>
-              <a:t>2025/7/3</a:t>
+              <a:t>2025/9/11</a:t>
             </a:fld>
             <a:endParaRPr lang="zh-CN" altLang="en-US"/>
           </a:p>
@@ -2064,7 +2070,7 @@
           <a:p>
             <a:fld id="{7637DEC7-006B-40F0-91CB-FFB307F5627D}" type="datetimeFigureOut">
               <a:rPr lang="zh-CN" altLang="en-US" smtClean="0"/>
-              <a:t>2025/7/3</a:t>
+              <a:t>2025/9/11</a:t>
             </a:fld>
             <a:endParaRPr lang="zh-CN" altLang="en-US"/>
           </a:p>
@@ -2375,7 +2381,7 @@
           <a:p>
             <a:fld id="{7637DEC7-006B-40F0-91CB-FFB307F5627D}" type="datetimeFigureOut">
               <a:rPr lang="zh-CN" altLang="en-US" smtClean="0"/>
-              <a:t>2025/7/3</a:t>
+              <a:t>2025/9/11</a:t>
             </a:fld>
             <a:endParaRPr lang="zh-CN" altLang="en-US"/>
           </a:p>
@@ -2663,7 +2669,7 @@
           <a:p>
             <a:fld id="{7637DEC7-006B-40F0-91CB-FFB307F5627D}" type="datetimeFigureOut">
               <a:rPr lang="zh-CN" altLang="en-US" smtClean="0"/>
-              <a:t>2025/7/3</a:t>
+              <a:t>2025/9/11</a:t>
             </a:fld>
             <a:endParaRPr lang="zh-CN" altLang="en-US"/>
           </a:p>
@@ -2904,7 +2910,7 @@
           <a:p>
             <a:fld id="{7637DEC7-006B-40F0-91CB-FFB307F5627D}" type="datetimeFigureOut">
               <a:rPr lang="zh-CN" altLang="en-US" smtClean="0"/>
-              <a:t>2025/7/3</a:t>
+              <a:t>2025/9/11</a:t>
             </a:fld>
             <a:endParaRPr lang="zh-CN" altLang="en-US"/>
           </a:p>
@@ -3841,8 +3847,8 @@
           </a:prstGeom>
         </p:spPr>
       </p:pic>
-      <mc:AlternateContent xmlns:mc="http://schemas.openxmlformats.org/markup-compatibility/2006">
-        <mc:Choice xmlns:a14="http://schemas.microsoft.com/office/drawing/2010/main" Requires="a14">
+      <mc:AlternateContent xmlns:mc="http://schemas.openxmlformats.org/markup-compatibility/2006" xmlns:a14="http://schemas.microsoft.com/office/drawing/2010/main">
+        <mc:Choice Requires="a14">
           <p:sp>
             <p:nvSpPr>
               <p:cNvPr id="32" name="文本框 31">
@@ -3871,6 +3877,7 @@
               </a:bodyPr>
               <a:lstStyle/>
               <a:p>
+                <a:pPr/>
                 <a14:m>
                   <m:oMathPara xmlns:m="http://schemas.openxmlformats.org/officeDocument/2006/math">
                     <m:oMathParaPr>
@@ -3910,7 +3917,7 @@
             </p:txBody>
           </p:sp>
         </mc:Choice>
-        <mc:Fallback>
+        <mc:Fallback xmlns="">
           <p:sp>
             <p:nvSpPr>
               <p:cNvPr id="32" name="文本框 31">
@@ -3955,8 +3962,8 @@
           </p:sp>
         </mc:Fallback>
       </mc:AlternateContent>
-      <mc:AlternateContent xmlns:mc="http://schemas.openxmlformats.org/markup-compatibility/2006">
-        <mc:Choice xmlns:a14="http://schemas.microsoft.com/office/drawing/2010/main" Requires="a14">
+      <mc:AlternateContent xmlns:mc="http://schemas.openxmlformats.org/markup-compatibility/2006" xmlns:a14="http://schemas.microsoft.com/office/drawing/2010/main">
+        <mc:Choice Requires="a14">
           <p:sp>
             <p:nvSpPr>
               <p:cNvPr id="33" name="文本框 32">
@@ -3985,6 +3992,7 @@
               </a:bodyPr>
               <a:lstStyle/>
               <a:p>
+                <a:pPr/>
                 <a14:m>
                   <m:oMathPara xmlns:m="http://schemas.openxmlformats.org/officeDocument/2006/math">
                     <m:oMathParaPr>
@@ -4024,7 +4032,7 @@
             </p:txBody>
           </p:sp>
         </mc:Choice>
-        <mc:Fallback>
+        <mc:Fallback xmlns="">
           <p:sp>
             <p:nvSpPr>
               <p:cNvPr id="33" name="文本框 32">
@@ -4069,8 +4077,8 @@
           </p:sp>
         </mc:Fallback>
       </mc:AlternateContent>
-      <mc:AlternateContent xmlns:mc="http://schemas.openxmlformats.org/markup-compatibility/2006">
-        <mc:Choice xmlns:a14="http://schemas.microsoft.com/office/drawing/2010/main" Requires="a14">
+      <mc:AlternateContent xmlns:mc="http://schemas.openxmlformats.org/markup-compatibility/2006" xmlns:a14="http://schemas.microsoft.com/office/drawing/2010/main">
+        <mc:Choice Requires="a14">
           <p:sp>
             <p:nvSpPr>
               <p:cNvPr id="34" name="文本框 33">
@@ -4099,6 +4107,7 @@
               </a:bodyPr>
               <a:lstStyle/>
               <a:p>
+                <a:pPr/>
                 <a14:m>
                   <m:oMathPara xmlns:m="http://schemas.openxmlformats.org/officeDocument/2006/math">
                     <m:oMathParaPr>
@@ -4125,7 +4134,7 @@
             </p:txBody>
           </p:sp>
         </mc:Choice>
-        <mc:Fallback>
+        <mc:Fallback xmlns="">
           <p:sp>
             <p:nvSpPr>
               <p:cNvPr id="34" name="文本框 33">
@@ -4170,8 +4179,8 @@
           </p:sp>
         </mc:Fallback>
       </mc:AlternateContent>
-      <mc:AlternateContent xmlns:mc="http://schemas.openxmlformats.org/markup-compatibility/2006">
-        <mc:Choice xmlns:a14="http://schemas.microsoft.com/office/drawing/2010/main" Requires="a14">
+      <mc:AlternateContent xmlns:mc="http://schemas.openxmlformats.org/markup-compatibility/2006" xmlns:a14="http://schemas.microsoft.com/office/drawing/2010/main">
+        <mc:Choice Requires="a14">
           <p:sp>
             <p:nvSpPr>
               <p:cNvPr id="35" name="文本框 34">
@@ -4200,6 +4209,7 @@
               </a:bodyPr>
               <a:lstStyle/>
               <a:p>
+                <a:pPr/>
                 <a14:m>
                   <m:oMathPara xmlns:m="http://schemas.openxmlformats.org/officeDocument/2006/math">
                     <m:oMathParaPr>
@@ -4232,7 +4242,7 @@
             </p:txBody>
           </p:sp>
         </mc:Choice>
-        <mc:Fallback>
+        <mc:Fallback xmlns="">
           <p:sp>
             <p:nvSpPr>
               <p:cNvPr id="35" name="文本框 34">
@@ -4281,6 +4291,3186 @@
     <p:extLst>
       <p:ext uri="{BB962C8B-B14F-4D97-AF65-F5344CB8AC3E}">
         <p14:creationId xmlns:p14="http://schemas.microsoft.com/office/powerpoint/2010/main" val="2413931277"/>
+      </p:ext>
+    </p:extLst>
+  </p:cSld>
+  <p:clrMapOvr>
+    <a:masterClrMapping/>
+  </p:clrMapOvr>
+</p:sld>
+</file>
+
+<file path=ppt/slides/slide2.xml><?xml version="1.0" encoding="utf-8"?>
+<p:sld xmlns:a="http://schemas.openxmlformats.org/drawingml/2006/main" xmlns:r="http://schemas.openxmlformats.org/officeDocument/2006/relationships" xmlns:p="http://schemas.openxmlformats.org/presentationml/2006/main">
+  <p:cSld>
+    <p:spTree>
+      <p:nvGrpSpPr>
+        <p:cNvPr id="1" name=""/>
+        <p:cNvGrpSpPr/>
+        <p:nvPr/>
+      </p:nvGrpSpPr>
+      <p:grpSpPr>
+        <a:xfrm>
+          <a:off x="0" y="0"/>
+          <a:ext cx="0" cy="0"/>
+          <a:chOff x="0" y="0"/>
+          <a:chExt cx="0" cy="0"/>
+        </a:xfrm>
+      </p:grpSpPr>
+      <mc:AlternateContent xmlns:mc="http://schemas.openxmlformats.org/markup-compatibility/2006">
+        <mc:Choice xmlns:a14="http://schemas.microsoft.com/office/drawing/2010/main" Requires="a14">
+          <p:sp>
+            <p:nvSpPr>
+              <p:cNvPr id="4" name="文本框 3">
+                <a:extLst>
+                  <a:ext uri="{FF2B5EF4-FFF2-40B4-BE49-F238E27FC236}">
+                    <a16:creationId xmlns:a16="http://schemas.microsoft.com/office/drawing/2014/main" id="{A4DAE9C3-EF62-C276-5FED-D52F004506FE}"/>
+                  </a:ext>
+                </a:extLst>
+              </p:cNvPr>
+              <p:cNvSpPr txBox="1"/>
+              <p:nvPr/>
+            </p:nvSpPr>
+            <p:spPr>
+              <a:xfrm>
+                <a:off x="2693181" y="1414523"/>
+                <a:ext cx="2340449" cy="307777"/>
+              </a:xfrm>
+              <a:prstGeom prst="rect">
+                <a:avLst/>
+              </a:prstGeom>
+              <a:noFill/>
+            </p:spPr>
+            <p:txBody>
+              <a:bodyPr wrap="none" lIns="0" tIns="0" rIns="0" bIns="0" rtlCol="0">
+                <a:spAutoFit/>
+              </a:bodyPr>
+              <a:lstStyle/>
+              <a:p>
+                <a14:m>
+                  <m:oMathPara xmlns:m="http://schemas.openxmlformats.org/officeDocument/2006/math">
+                    <m:oMathParaPr>
+                      <m:jc m:val="centerGroup"/>
+                    </m:oMathParaPr>
+                    <m:oMath xmlns:m="http://schemas.openxmlformats.org/officeDocument/2006/math">
+                      <m:sSub>
+                        <m:sSubPr>
+                          <m:ctrlPr>
+                            <a:rPr lang="en-US" altLang="zh-CN" sz="2000" b="1" smtClean="0">
+                              <a:latin typeface="Cambria Math" panose="02040503050406030204" pitchFamily="18" charset="0"/>
+                            </a:rPr>
+                          </m:ctrlPr>
+                        </m:sSubPr>
+                        <m:e>
+                          <m:r>
+                            <a:rPr lang="en-US" altLang="zh-CN" sz="2000" b="1" i="0" smtClean="0">
+                              <a:latin typeface="Cambria Math" panose="02040503050406030204" pitchFamily="18" charset="0"/>
+                            </a:rPr>
+                            <m:t>𝐱</m:t>
+                          </m:r>
+                        </m:e>
+                        <m:sub>
+                          <m:r>
+                            <a:rPr lang="en-US" altLang="zh-CN" sz="2000" b="1" i="0" smtClean="0">
+                              <a:latin typeface="Cambria Math" panose="02040503050406030204" pitchFamily="18" charset="0"/>
+                            </a:rPr>
+                            <m:t>𝐭</m:t>
+                          </m:r>
+                        </m:sub>
+                      </m:sSub>
+                      <m:r>
+                        <a:rPr lang="en-US" altLang="zh-CN" sz="2000" b="1" i="0" smtClean="0">
+                          <a:latin typeface="Cambria Math" panose="02040503050406030204" pitchFamily="18" charset="0"/>
+                        </a:rPr>
+                        <m:t>=</m:t>
+                      </m:r>
+                      <m:r>
+                        <a:rPr lang="en-US" altLang="zh-CN" sz="2000" b="1" i="0" smtClean="0">
+                          <a:latin typeface="Cambria Math" panose="02040503050406030204" pitchFamily="18" charset="0"/>
+                        </a:rPr>
+                        <m:t>𝐬</m:t>
+                      </m:r>
+                      <m:d>
+                        <m:dPr>
+                          <m:ctrlPr>
+                            <a:rPr lang="en-US" altLang="zh-CN" sz="2000" b="1" smtClean="0">
+                              <a:latin typeface="Cambria Math" panose="02040503050406030204" pitchFamily="18" charset="0"/>
+                            </a:rPr>
+                          </m:ctrlPr>
+                        </m:dPr>
+                        <m:e>
+                          <m:r>
+                            <a:rPr lang="en-US" altLang="zh-CN" sz="2000" b="1" i="0" smtClean="0">
+                              <a:latin typeface="Cambria Math" panose="02040503050406030204" pitchFamily="18" charset="0"/>
+                            </a:rPr>
+                            <m:t>𝐭</m:t>
+                          </m:r>
+                        </m:e>
+                      </m:d>
+                      <m:r>
+                        <a:rPr lang="en-US" altLang="zh-CN" sz="2000" b="1" i="0" smtClean="0">
+                          <a:latin typeface="Cambria Math" panose="02040503050406030204" pitchFamily="18" charset="0"/>
+                        </a:rPr>
+                        <m:t> </m:t>
+                      </m:r>
+                      <m:sSub>
+                        <m:sSubPr>
+                          <m:ctrlPr>
+                            <a:rPr lang="en-US" altLang="zh-CN" sz="2000" b="1" smtClean="0">
+                              <a:latin typeface="Cambria Math" panose="02040503050406030204" pitchFamily="18" charset="0"/>
+                            </a:rPr>
+                          </m:ctrlPr>
+                        </m:sSubPr>
+                        <m:e>
+                          <m:r>
+                            <a:rPr lang="en-US" altLang="zh-CN" sz="2000" b="1" i="0" smtClean="0">
+                              <a:latin typeface="Cambria Math" panose="02040503050406030204" pitchFamily="18" charset="0"/>
+                            </a:rPr>
+                            <m:t>𝐱</m:t>
+                          </m:r>
+                        </m:e>
+                        <m:sub>
+                          <m:r>
+                            <a:rPr lang="en-US" altLang="zh-CN" sz="2000" b="1" i="0" smtClean="0">
+                              <a:latin typeface="Cambria Math" panose="02040503050406030204" pitchFamily="18" charset="0"/>
+                            </a:rPr>
+                            <m:t>𝟎</m:t>
+                          </m:r>
+                        </m:sub>
+                      </m:sSub>
+                      <m:r>
+                        <a:rPr lang="en-US" altLang="zh-CN" sz="2000" b="1" i="0" smtClean="0">
+                          <a:latin typeface="Cambria Math" panose="02040503050406030204" pitchFamily="18" charset="0"/>
+                        </a:rPr>
+                        <m:t>+</m:t>
+                      </m:r>
+                      <m:r>
+                        <a:rPr lang="zh-CN" altLang="en-US" sz="2000" b="1" i="0" smtClean="0">
+                          <a:latin typeface="Cambria Math" panose="02040503050406030204" pitchFamily="18" charset="0"/>
+                        </a:rPr>
+                        <m:t>𝛔</m:t>
+                      </m:r>
+                      <m:d>
+                        <m:dPr>
+                          <m:ctrlPr>
+                            <a:rPr lang="en-US" altLang="zh-CN" sz="2000" b="1" smtClean="0">
+                              <a:latin typeface="Cambria Math" panose="02040503050406030204" pitchFamily="18" charset="0"/>
+                            </a:rPr>
+                          </m:ctrlPr>
+                        </m:dPr>
+                        <m:e>
+                          <m:r>
+                            <a:rPr lang="en-US" altLang="zh-CN" sz="2000" b="1" i="0" smtClean="0">
+                              <a:latin typeface="Cambria Math" panose="02040503050406030204" pitchFamily="18" charset="0"/>
+                            </a:rPr>
+                            <m:t>𝐭</m:t>
+                          </m:r>
+                        </m:e>
+                      </m:d>
+                      <m:r>
+                        <a:rPr lang="en-US" altLang="zh-CN" sz="2000" b="1" i="0" smtClean="0">
+                          <a:latin typeface="Cambria Math" panose="02040503050406030204" pitchFamily="18" charset="0"/>
+                        </a:rPr>
+                        <m:t> </m:t>
+                      </m:r>
+                      <m:r>
+                        <a:rPr lang="zh-CN" altLang="en-US" sz="2000" b="1" i="0" smtClean="0">
+                          <a:latin typeface="Cambria Math" panose="02040503050406030204" pitchFamily="18" charset="0"/>
+                        </a:rPr>
+                        <m:t>𝛜</m:t>
+                      </m:r>
+                    </m:oMath>
+                  </m:oMathPara>
+                </a14:m>
+                <a:endParaRPr lang="zh-CN" altLang="en-US" sz="2000" b="1" dirty="0"/>
+              </a:p>
+            </p:txBody>
+          </p:sp>
+        </mc:Choice>
+        <mc:Fallback>
+          <p:sp>
+            <p:nvSpPr>
+              <p:cNvPr id="4" name="文本框 3">
+                <a:extLst>
+                  <a:ext uri="{FF2B5EF4-FFF2-40B4-BE49-F238E27FC236}">
+                    <a16:creationId xmlns:a16="http://schemas.microsoft.com/office/drawing/2014/main" id="{A4DAE9C3-EF62-C276-5FED-D52F004506FE}"/>
+                  </a:ext>
+                </a:extLst>
+              </p:cNvPr>
+              <p:cNvSpPr txBox="1">
+                <a:spLocks noRot="1" noChangeAspect="1" noMove="1" noResize="1" noEditPoints="1" noAdjustHandles="1" noChangeArrowheads="1" noChangeShapeType="1" noTextEdit="1"/>
+              </p:cNvSpPr>
+              <p:nvPr/>
+            </p:nvSpPr>
+            <p:spPr>
+              <a:xfrm>
+                <a:off x="2693181" y="1414523"/>
+                <a:ext cx="2340449" cy="307777"/>
+              </a:xfrm>
+              <a:prstGeom prst="rect">
+                <a:avLst/>
+              </a:prstGeom>
+              <a:blipFill>
+                <a:blip r:embed="rId2"/>
+                <a:stretch>
+                  <a:fillRect l="-781" r="-781" b="-15686"/>
+                </a:stretch>
+              </a:blipFill>
+            </p:spPr>
+            <p:txBody>
+              <a:bodyPr/>
+              <a:lstStyle/>
+              <a:p>
+                <a:r>
+                  <a:rPr lang="zh-CN" altLang="en-US">
+                    <a:noFill/>
+                  </a:rPr>
+                  <a:t> </a:t>
+                </a:r>
+              </a:p>
+            </p:txBody>
+          </p:sp>
+        </mc:Fallback>
+      </mc:AlternateContent>
+      <mc:AlternateContent xmlns:mc="http://schemas.openxmlformats.org/markup-compatibility/2006">
+        <mc:Choice xmlns:a14="http://schemas.microsoft.com/office/drawing/2010/main" Requires="a14">
+          <p:sp>
+            <p:nvSpPr>
+              <p:cNvPr id="5" name="文本框 4">
+                <a:extLst>
+                  <a:ext uri="{FF2B5EF4-FFF2-40B4-BE49-F238E27FC236}">
+                    <a16:creationId xmlns:a16="http://schemas.microsoft.com/office/drawing/2014/main" id="{CD3049FB-7CD5-2479-C03F-F25F4D950B8E}"/>
+                  </a:ext>
+                </a:extLst>
+              </p:cNvPr>
+              <p:cNvSpPr txBox="1"/>
+              <p:nvPr/>
+            </p:nvSpPr>
+            <p:spPr>
+              <a:xfrm>
+                <a:off x="7957940" y="2034433"/>
+                <a:ext cx="2874505" cy="307777"/>
+              </a:xfrm>
+              <a:prstGeom prst="rect">
+                <a:avLst/>
+              </a:prstGeom>
+              <a:noFill/>
+            </p:spPr>
+            <p:txBody>
+              <a:bodyPr wrap="none" lIns="0" tIns="0" rIns="0" bIns="0" rtlCol="0">
+                <a:spAutoFit/>
+              </a:bodyPr>
+              <a:lstStyle/>
+              <a:p>
+                <a14:m>
+                  <m:oMathPara xmlns:m="http://schemas.openxmlformats.org/officeDocument/2006/math">
+                    <m:oMathParaPr>
+                      <m:jc m:val="centerGroup"/>
+                    </m:oMathParaPr>
+                    <m:oMath xmlns:m="http://schemas.openxmlformats.org/officeDocument/2006/math">
+                      <m:sSub>
+                        <m:sSubPr>
+                          <m:ctrlPr>
+                            <a:rPr lang="en-US" altLang="zh-CN" sz="2000" b="1" smtClean="0">
+                              <a:latin typeface="Cambria Math" panose="02040503050406030204" pitchFamily="18" charset="0"/>
+                            </a:rPr>
+                          </m:ctrlPr>
+                        </m:sSubPr>
+                        <m:e>
+                          <m:r>
+                            <a:rPr lang="en-US" altLang="zh-CN" sz="2000" b="1" i="0" smtClean="0">
+                              <a:latin typeface="Cambria Math" panose="02040503050406030204" pitchFamily="18" charset="0"/>
+                            </a:rPr>
+                            <m:t>𝐝</m:t>
+                          </m:r>
+                          <m:r>
+                            <a:rPr lang="en-US" altLang="zh-CN" sz="2000" b="1" i="0" smtClean="0">
+                              <a:latin typeface="Cambria Math" panose="02040503050406030204" pitchFamily="18" charset="0"/>
+                            </a:rPr>
+                            <m:t>𝐱</m:t>
+                          </m:r>
+                        </m:e>
+                        <m:sub>
+                          <m:r>
+                            <a:rPr lang="en-US" altLang="zh-CN" sz="2000" b="1" i="0" smtClean="0">
+                              <a:latin typeface="Cambria Math" panose="02040503050406030204" pitchFamily="18" charset="0"/>
+                            </a:rPr>
+                            <m:t>𝐭</m:t>
+                          </m:r>
+                        </m:sub>
+                      </m:sSub>
+                      <m:r>
+                        <a:rPr lang="en-US" altLang="zh-CN" sz="2000" b="1" i="0" smtClean="0">
+                          <a:latin typeface="Cambria Math" panose="02040503050406030204" pitchFamily="18" charset="0"/>
+                        </a:rPr>
+                        <m:t>=</m:t>
+                      </m:r>
+                      <m:r>
+                        <a:rPr lang="en-US" altLang="zh-CN" sz="2000" b="1" i="0" smtClean="0">
+                          <a:latin typeface="Cambria Math" panose="02040503050406030204" pitchFamily="18" charset="0"/>
+                        </a:rPr>
+                        <m:t>𝐟</m:t>
+                      </m:r>
+                      <m:d>
+                        <m:dPr>
+                          <m:ctrlPr>
+                            <a:rPr lang="en-US" altLang="zh-CN" sz="2000" b="1" smtClean="0">
+                              <a:latin typeface="Cambria Math" panose="02040503050406030204" pitchFamily="18" charset="0"/>
+                            </a:rPr>
+                          </m:ctrlPr>
+                        </m:dPr>
+                        <m:e>
+                          <m:r>
+                            <a:rPr lang="en-US" altLang="zh-CN" sz="2000" b="1" i="0" smtClean="0">
+                              <a:latin typeface="Cambria Math" panose="02040503050406030204" pitchFamily="18" charset="0"/>
+                            </a:rPr>
+                            <m:t>𝐭</m:t>
+                          </m:r>
+                        </m:e>
+                      </m:d>
+                      <m:sSub>
+                        <m:sSubPr>
+                          <m:ctrlPr>
+                            <a:rPr lang="en-US" altLang="zh-CN" sz="2000" b="1" smtClean="0">
+                              <a:latin typeface="Cambria Math" panose="02040503050406030204" pitchFamily="18" charset="0"/>
+                            </a:rPr>
+                          </m:ctrlPr>
+                        </m:sSubPr>
+                        <m:e>
+                          <m:r>
+                            <a:rPr lang="en-US" altLang="zh-CN" sz="2000" b="1" i="0" smtClean="0">
+                              <a:latin typeface="Cambria Math" panose="02040503050406030204" pitchFamily="18" charset="0"/>
+                            </a:rPr>
+                            <m:t>𝐱</m:t>
+                          </m:r>
+                        </m:e>
+                        <m:sub>
+                          <m:r>
+                            <a:rPr lang="en-US" altLang="zh-CN" sz="2000" b="1" i="0" smtClean="0">
+                              <a:latin typeface="Cambria Math" panose="02040503050406030204" pitchFamily="18" charset="0"/>
+                            </a:rPr>
+                            <m:t>𝐭</m:t>
+                          </m:r>
+                        </m:sub>
+                      </m:sSub>
+                      <m:r>
+                        <a:rPr lang="en-US" altLang="zh-CN" sz="2000" b="1" i="0" smtClean="0">
+                          <a:latin typeface="Cambria Math" panose="02040503050406030204" pitchFamily="18" charset="0"/>
+                        </a:rPr>
+                        <m:t>𝐝𝐭</m:t>
+                      </m:r>
+                      <m:r>
+                        <a:rPr lang="en-US" altLang="zh-CN" sz="2000" b="1" i="0" smtClean="0">
+                          <a:latin typeface="Cambria Math" panose="02040503050406030204" pitchFamily="18" charset="0"/>
+                        </a:rPr>
+                        <m:t>+</m:t>
+                      </m:r>
+                      <m:r>
+                        <a:rPr lang="en-US" altLang="zh-CN" sz="2000" b="1" i="0" smtClean="0">
+                          <a:latin typeface="Cambria Math" panose="02040503050406030204" pitchFamily="18" charset="0"/>
+                        </a:rPr>
+                        <m:t>𝐠</m:t>
+                      </m:r>
+                      <m:d>
+                        <m:dPr>
+                          <m:ctrlPr>
+                            <a:rPr lang="en-US" altLang="zh-CN" sz="2000" b="1" smtClean="0">
+                              <a:latin typeface="Cambria Math" panose="02040503050406030204" pitchFamily="18" charset="0"/>
+                            </a:rPr>
+                          </m:ctrlPr>
+                        </m:dPr>
+                        <m:e>
+                          <m:r>
+                            <a:rPr lang="en-US" altLang="zh-CN" sz="2000" b="1" i="0" smtClean="0">
+                              <a:latin typeface="Cambria Math" panose="02040503050406030204" pitchFamily="18" charset="0"/>
+                            </a:rPr>
+                            <m:t>𝐭</m:t>
+                          </m:r>
+                        </m:e>
+                      </m:d>
+                      <m:r>
+                        <a:rPr lang="en-US" altLang="zh-CN" sz="2000" b="1" i="0" smtClean="0">
+                          <a:latin typeface="Cambria Math" panose="02040503050406030204" pitchFamily="18" charset="0"/>
+                        </a:rPr>
+                        <m:t>𝐝</m:t>
+                      </m:r>
+                      <m:sSub>
+                        <m:sSubPr>
+                          <m:ctrlPr>
+                            <a:rPr lang="en-US" altLang="zh-CN" sz="2000" b="1" smtClean="0">
+                              <a:latin typeface="Cambria Math" panose="02040503050406030204" pitchFamily="18" charset="0"/>
+                            </a:rPr>
+                          </m:ctrlPr>
+                        </m:sSubPr>
+                        <m:e>
+                          <m:r>
+                            <a:rPr lang="en-US" altLang="zh-CN" sz="2000" b="1" i="0" smtClean="0">
+                              <a:latin typeface="Cambria Math" panose="02040503050406030204" pitchFamily="18" charset="0"/>
+                            </a:rPr>
+                            <m:t>𝐰</m:t>
+                          </m:r>
+                        </m:e>
+                        <m:sub>
+                          <m:r>
+                            <a:rPr lang="en-US" altLang="zh-CN" sz="2000" b="1" i="0" smtClean="0">
+                              <a:latin typeface="Cambria Math" panose="02040503050406030204" pitchFamily="18" charset="0"/>
+                            </a:rPr>
+                            <m:t>𝐭</m:t>
+                          </m:r>
+                        </m:sub>
+                      </m:sSub>
+                    </m:oMath>
+                  </m:oMathPara>
+                </a14:m>
+                <a:endParaRPr lang="zh-CN" altLang="en-US" sz="2000" b="1" dirty="0"/>
+              </a:p>
+            </p:txBody>
+          </p:sp>
+        </mc:Choice>
+        <mc:Fallback>
+          <p:sp>
+            <p:nvSpPr>
+              <p:cNvPr id="5" name="文本框 4">
+                <a:extLst>
+                  <a:ext uri="{FF2B5EF4-FFF2-40B4-BE49-F238E27FC236}">
+                    <a16:creationId xmlns:a16="http://schemas.microsoft.com/office/drawing/2014/main" id="{CD3049FB-7CD5-2479-C03F-F25F4D950B8E}"/>
+                  </a:ext>
+                </a:extLst>
+              </p:cNvPr>
+              <p:cNvSpPr txBox="1">
+                <a:spLocks noRot="1" noChangeAspect="1" noMove="1" noResize="1" noEditPoints="1" noAdjustHandles="1" noChangeArrowheads="1" noChangeShapeType="1" noTextEdit="1"/>
+              </p:cNvSpPr>
+              <p:nvPr/>
+            </p:nvSpPr>
+            <p:spPr>
+              <a:xfrm>
+                <a:off x="7957940" y="2034433"/>
+                <a:ext cx="2874505" cy="307777"/>
+              </a:xfrm>
+              <a:prstGeom prst="rect">
+                <a:avLst/>
+              </a:prstGeom>
+              <a:blipFill>
+                <a:blip r:embed="rId3"/>
+                <a:stretch>
+                  <a:fillRect l="-1483" b="-26000"/>
+                </a:stretch>
+              </a:blipFill>
+            </p:spPr>
+            <p:txBody>
+              <a:bodyPr/>
+              <a:lstStyle/>
+              <a:p>
+                <a:r>
+                  <a:rPr lang="zh-CN" altLang="en-US">
+                    <a:noFill/>
+                  </a:rPr>
+                  <a:t> </a:t>
+                </a:r>
+              </a:p>
+            </p:txBody>
+          </p:sp>
+        </mc:Fallback>
+      </mc:AlternateContent>
+      <mc:AlternateContent xmlns:mc="http://schemas.openxmlformats.org/markup-compatibility/2006">
+        <mc:Choice xmlns:a14="http://schemas.microsoft.com/office/drawing/2010/main" Requires="a14">
+          <p:sp>
+            <p:nvSpPr>
+              <p:cNvPr id="6" name="文本框 5">
+                <a:extLst>
+                  <a:ext uri="{FF2B5EF4-FFF2-40B4-BE49-F238E27FC236}">
+                    <a16:creationId xmlns:a16="http://schemas.microsoft.com/office/drawing/2014/main" id="{629539ED-C6ED-6A46-396F-D2530AC7A8E5}"/>
+                  </a:ext>
+                </a:extLst>
+              </p:cNvPr>
+              <p:cNvSpPr txBox="1"/>
+              <p:nvPr/>
+            </p:nvSpPr>
+            <p:spPr>
+              <a:xfrm>
+                <a:off x="7150837" y="3882642"/>
+                <a:ext cx="4931478" cy="460639"/>
+              </a:xfrm>
+              <a:prstGeom prst="rect">
+                <a:avLst/>
+              </a:prstGeom>
+              <a:noFill/>
+            </p:spPr>
+            <p:txBody>
+              <a:bodyPr wrap="none" lIns="0" tIns="0" rIns="0" bIns="0" rtlCol="0">
+                <a:spAutoFit/>
+              </a:bodyPr>
+              <a:lstStyle/>
+              <a:p>
+                <a14:m>
+                  <m:oMathPara xmlns:m="http://schemas.openxmlformats.org/officeDocument/2006/math">
+                    <m:oMathParaPr>
+                      <m:jc m:val="centerGroup"/>
+                    </m:oMathParaPr>
+                    <m:oMath xmlns:m="http://schemas.openxmlformats.org/officeDocument/2006/math">
+                      <m:sSub>
+                        <m:sSubPr>
+                          <m:ctrlPr>
+                            <a:rPr lang="en-US" altLang="zh-CN" sz="2000" b="1" smtClean="0">
+                              <a:solidFill>
+                                <a:schemeClr val="tx1"/>
+                              </a:solidFill>
+                              <a:latin typeface="Cambria Math" panose="02040503050406030204" pitchFamily="18" charset="0"/>
+                            </a:rPr>
+                          </m:ctrlPr>
+                        </m:sSubPr>
+                        <m:e>
+                          <m:r>
+                            <a:rPr lang="en-US" altLang="zh-CN" sz="2000" b="1" i="0" smtClean="0">
+                              <a:solidFill>
+                                <a:schemeClr val="tx1"/>
+                              </a:solidFill>
+                              <a:latin typeface="Cambria Math" panose="02040503050406030204" pitchFamily="18" charset="0"/>
+                            </a:rPr>
+                            <m:t>𝐝</m:t>
+                          </m:r>
+                          <m:r>
+                            <a:rPr lang="en-US" altLang="zh-CN" sz="2000" b="1" i="0" smtClean="0">
+                              <a:solidFill>
+                                <a:schemeClr val="tx1"/>
+                              </a:solidFill>
+                              <a:latin typeface="Cambria Math" panose="02040503050406030204" pitchFamily="18" charset="0"/>
+                            </a:rPr>
+                            <m:t>𝐱</m:t>
+                          </m:r>
+                        </m:e>
+                        <m:sub>
+                          <m:r>
+                            <a:rPr lang="en-US" altLang="zh-CN" sz="2000" b="1" i="0" smtClean="0">
+                              <a:solidFill>
+                                <a:schemeClr val="tx1"/>
+                              </a:solidFill>
+                              <a:latin typeface="Cambria Math" panose="02040503050406030204" pitchFamily="18" charset="0"/>
+                            </a:rPr>
+                            <m:t>𝐭</m:t>
+                          </m:r>
+                        </m:sub>
+                      </m:sSub>
+                      <m:r>
+                        <a:rPr lang="en-US" altLang="zh-CN" sz="2000" b="1" i="0" smtClean="0">
+                          <a:solidFill>
+                            <a:schemeClr val="tx1"/>
+                          </a:solidFill>
+                          <a:latin typeface="Cambria Math" panose="02040503050406030204" pitchFamily="18" charset="0"/>
+                        </a:rPr>
+                        <m:t>=</m:t>
+                      </m:r>
+                      <m:d>
+                        <m:dPr>
+                          <m:ctrlPr>
+                            <a:rPr lang="en-US" altLang="zh-CN" sz="2000" b="1" smtClean="0">
+                              <a:solidFill>
+                                <a:schemeClr val="tx1"/>
+                              </a:solidFill>
+                              <a:latin typeface="Cambria Math" panose="02040503050406030204" pitchFamily="18" charset="0"/>
+                            </a:rPr>
+                          </m:ctrlPr>
+                        </m:dPr>
+                        <m:e>
+                          <m:r>
+                            <a:rPr lang="en-US" altLang="zh-CN" sz="2000" b="1" i="0">
+                              <a:solidFill>
+                                <a:schemeClr val="tx1"/>
+                              </a:solidFill>
+                              <a:latin typeface="Cambria Math" panose="02040503050406030204" pitchFamily="18" charset="0"/>
+                            </a:rPr>
+                            <m:t>𝐟</m:t>
+                          </m:r>
+                          <m:d>
+                            <m:dPr>
+                              <m:ctrlPr>
+                                <a:rPr lang="en-US" altLang="zh-CN" sz="2000" b="1">
+                                  <a:solidFill>
+                                    <a:schemeClr val="tx1"/>
+                                  </a:solidFill>
+                                  <a:latin typeface="Cambria Math" panose="02040503050406030204" pitchFamily="18" charset="0"/>
+                                </a:rPr>
+                              </m:ctrlPr>
+                            </m:dPr>
+                            <m:e>
+                              <m:r>
+                                <a:rPr lang="en-US" altLang="zh-CN" sz="2000" b="1" i="0">
+                                  <a:solidFill>
+                                    <a:schemeClr val="tx1"/>
+                                  </a:solidFill>
+                                  <a:latin typeface="Cambria Math" panose="02040503050406030204" pitchFamily="18" charset="0"/>
+                                </a:rPr>
+                                <m:t>𝐭</m:t>
+                              </m:r>
+                            </m:e>
+                          </m:d>
+                          <m:sSub>
+                            <m:sSubPr>
+                              <m:ctrlPr>
+                                <a:rPr lang="en-US" altLang="zh-CN" sz="2000" b="1">
+                                  <a:solidFill>
+                                    <a:schemeClr val="tx1"/>
+                                  </a:solidFill>
+                                  <a:latin typeface="Cambria Math" panose="02040503050406030204" pitchFamily="18" charset="0"/>
+                                </a:rPr>
+                              </m:ctrlPr>
+                            </m:sSubPr>
+                            <m:e>
+                              <m:r>
+                                <a:rPr lang="en-US" altLang="zh-CN" sz="2000" b="1" i="0">
+                                  <a:solidFill>
+                                    <a:schemeClr val="tx1"/>
+                                  </a:solidFill>
+                                  <a:latin typeface="Cambria Math" panose="02040503050406030204" pitchFamily="18" charset="0"/>
+                                </a:rPr>
+                                <m:t>𝐱</m:t>
+                              </m:r>
+                            </m:e>
+                            <m:sub>
+                              <m:r>
+                                <a:rPr lang="en-US" altLang="zh-CN" sz="2000" b="1" i="0">
+                                  <a:solidFill>
+                                    <a:schemeClr val="tx1"/>
+                                  </a:solidFill>
+                                  <a:latin typeface="Cambria Math" panose="02040503050406030204" pitchFamily="18" charset="0"/>
+                                </a:rPr>
+                                <m:t>𝐭</m:t>
+                              </m:r>
+                            </m:sub>
+                          </m:sSub>
+                          <m:r>
+                            <a:rPr lang="en-US" altLang="zh-CN" sz="2000" b="1" i="0">
+                              <a:solidFill>
+                                <a:schemeClr val="tx1"/>
+                              </a:solidFill>
+                              <a:latin typeface="Cambria Math" panose="02040503050406030204" pitchFamily="18" charset="0"/>
+                            </a:rPr>
+                            <m:t>−</m:t>
+                          </m:r>
+                          <m:sSup>
+                            <m:sSupPr>
+                              <m:ctrlPr>
+                                <a:rPr lang="en-US" altLang="zh-CN" sz="2000" b="1">
+                                  <a:solidFill>
+                                    <a:schemeClr val="tx1"/>
+                                  </a:solidFill>
+                                  <a:latin typeface="Cambria Math" panose="02040503050406030204" pitchFamily="18" charset="0"/>
+                                </a:rPr>
+                              </m:ctrlPr>
+                            </m:sSupPr>
+                            <m:e>
+                              <m:r>
+                                <a:rPr lang="en-US" altLang="zh-CN" sz="2000" b="1" i="0">
+                                  <a:solidFill>
+                                    <a:schemeClr val="tx1"/>
+                                  </a:solidFill>
+                                  <a:latin typeface="Cambria Math" panose="02040503050406030204" pitchFamily="18" charset="0"/>
+                                </a:rPr>
+                                <m:t>𝐠</m:t>
+                              </m:r>
+                            </m:e>
+                            <m:sup>
+                              <m:r>
+                                <a:rPr lang="en-US" altLang="zh-CN" sz="2000" b="1" i="0">
+                                  <a:solidFill>
+                                    <a:schemeClr val="tx1"/>
+                                  </a:solidFill>
+                                  <a:latin typeface="Cambria Math" panose="02040503050406030204" pitchFamily="18" charset="0"/>
+                                </a:rPr>
+                                <m:t>𝟐</m:t>
+                              </m:r>
+                            </m:sup>
+                          </m:sSup>
+                          <m:d>
+                            <m:dPr>
+                              <m:ctrlPr>
+                                <a:rPr lang="en-US" altLang="zh-CN" sz="2000" b="1">
+                                  <a:solidFill>
+                                    <a:schemeClr val="tx1"/>
+                                  </a:solidFill>
+                                  <a:latin typeface="Cambria Math" panose="02040503050406030204" pitchFamily="18" charset="0"/>
+                                </a:rPr>
+                              </m:ctrlPr>
+                            </m:dPr>
+                            <m:e>
+                              <m:r>
+                                <a:rPr lang="en-US" altLang="zh-CN" sz="2000" b="1" i="0">
+                                  <a:solidFill>
+                                    <a:schemeClr val="tx1"/>
+                                  </a:solidFill>
+                                  <a:latin typeface="Cambria Math" panose="02040503050406030204" pitchFamily="18" charset="0"/>
+                                </a:rPr>
+                                <m:t>𝐭</m:t>
+                              </m:r>
+                            </m:e>
+                          </m:d>
+                          <m:sSub>
+                            <m:sSubPr>
+                              <m:ctrlPr>
+                                <a:rPr lang="en-US" altLang="zh-CN" sz="2000" b="1">
+                                  <a:solidFill>
+                                    <a:schemeClr val="tx1"/>
+                                  </a:solidFill>
+                                  <a:latin typeface="Cambria Math" panose="02040503050406030204" pitchFamily="18" charset="0"/>
+                                </a:rPr>
+                              </m:ctrlPr>
+                            </m:sSubPr>
+                            <m:e>
+                              <m:r>
+                                <a:rPr lang="en-US" altLang="zh-CN" sz="2000" b="1" i="0">
+                                  <a:solidFill>
+                                    <a:schemeClr val="tx1"/>
+                                  </a:solidFill>
+                                  <a:latin typeface="Cambria Math" panose="02040503050406030204" pitchFamily="18" charset="0"/>
+                                </a:rPr>
+                                <m:t>𝐬</m:t>
+                              </m:r>
+                            </m:e>
+                            <m:sub>
+                              <m:r>
+                                <a:rPr lang="zh-CN" altLang="en-US" sz="2000" b="1" i="0">
+                                  <a:solidFill>
+                                    <a:schemeClr val="tx1"/>
+                                  </a:solidFill>
+                                  <a:latin typeface="Cambria Math" panose="02040503050406030204" pitchFamily="18" charset="0"/>
+                                </a:rPr>
+                                <m:t>𝛉</m:t>
+                              </m:r>
+                            </m:sub>
+                          </m:sSub>
+                          <m:d>
+                            <m:dPr>
+                              <m:ctrlPr>
+                                <a:rPr lang="en-US" altLang="zh-CN" sz="2000" b="1">
+                                  <a:solidFill>
+                                    <a:schemeClr val="tx1"/>
+                                  </a:solidFill>
+                                  <a:latin typeface="Cambria Math" panose="02040503050406030204" pitchFamily="18" charset="0"/>
+                                </a:rPr>
+                              </m:ctrlPr>
+                            </m:dPr>
+                            <m:e>
+                              <m:sSub>
+                                <m:sSubPr>
+                                  <m:ctrlPr>
+                                    <a:rPr lang="en-US" altLang="zh-CN" sz="2000" b="1">
+                                      <a:solidFill>
+                                        <a:schemeClr val="tx1"/>
+                                      </a:solidFill>
+                                      <a:latin typeface="Cambria Math" panose="02040503050406030204" pitchFamily="18" charset="0"/>
+                                    </a:rPr>
+                                  </m:ctrlPr>
+                                </m:sSubPr>
+                                <m:e>
+                                  <m:r>
+                                    <a:rPr lang="en-US" altLang="zh-CN" sz="2000" b="1" i="0">
+                                      <a:solidFill>
+                                        <a:schemeClr val="tx1"/>
+                                      </a:solidFill>
+                                      <a:latin typeface="Cambria Math" panose="02040503050406030204" pitchFamily="18" charset="0"/>
+                                    </a:rPr>
+                                    <m:t>𝐱</m:t>
+                                  </m:r>
+                                </m:e>
+                                <m:sub>
+                                  <m:r>
+                                    <a:rPr lang="en-US" altLang="zh-CN" sz="2000" b="1" i="0">
+                                      <a:solidFill>
+                                        <a:schemeClr val="tx1"/>
+                                      </a:solidFill>
+                                      <a:latin typeface="Cambria Math" panose="02040503050406030204" pitchFamily="18" charset="0"/>
+                                    </a:rPr>
+                                    <m:t>𝐭</m:t>
+                                  </m:r>
+                                </m:sub>
+                              </m:sSub>
+                              <m:r>
+                                <a:rPr lang="en-US" altLang="zh-CN" sz="2000" b="1" i="0">
+                                  <a:solidFill>
+                                    <a:schemeClr val="tx1"/>
+                                  </a:solidFill>
+                                  <a:latin typeface="Cambria Math" panose="02040503050406030204" pitchFamily="18" charset="0"/>
+                                </a:rPr>
+                                <m:t>, </m:t>
+                              </m:r>
+                              <m:r>
+                                <a:rPr lang="en-US" altLang="zh-CN" sz="2000" b="1" i="0">
+                                  <a:solidFill>
+                                    <a:schemeClr val="tx1"/>
+                                  </a:solidFill>
+                                  <a:latin typeface="Cambria Math" panose="02040503050406030204" pitchFamily="18" charset="0"/>
+                                </a:rPr>
+                                <m:t>𝐭</m:t>
+                              </m:r>
+                            </m:e>
+                          </m:d>
+                        </m:e>
+                      </m:d>
+                      <m:r>
+                        <a:rPr lang="en-US" altLang="zh-CN" sz="2000" b="1" i="0" smtClean="0">
+                          <a:solidFill>
+                            <a:schemeClr val="tx1"/>
+                          </a:solidFill>
+                          <a:latin typeface="Cambria Math" panose="02040503050406030204" pitchFamily="18" charset="0"/>
+                        </a:rPr>
+                        <m:t>𝐝𝐭</m:t>
+                      </m:r>
+                      <m:r>
+                        <a:rPr lang="en-US" altLang="zh-CN" sz="2000" b="1" i="0" smtClean="0">
+                          <a:solidFill>
+                            <a:schemeClr val="tx1"/>
+                          </a:solidFill>
+                          <a:latin typeface="Cambria Math" panose="02040503050406030204" pitchFamily="18" charset="0"/>
+                        </a:rPr>
+                        <m:t>+</m:t>
+                      </m:r>
+                      <m:r>
+                        <a:rPr lang="en-US" altLang="zh-CN" sz="2000" b="1" i="0" smtClean="0">
+                          <a:solidFill>
+                            <a:schemeClr val="tx1"/>
+                          </a:solidFill>
+                          <a:latin typeface="Cambria Math" panose="02040503050406030204" pitchFamily="18" charset="0"/>
+                        </a:rPr>
+                        <m:t>𝐠</m:t>
+                      </m:r>
+                      <m:d>
+                        <m:dPr>
+                          <m:ctrlPr>
+                            <a:rPr lang="en-US" altLang="zh-CN" sz="2000" b="1" smtClean="0">
+                              <a:solidFill>
+                                <a:schemeClr val="tx1"/>
+                              </a:solidFill>
+                              <a:latin typeface="Cambria Math" panose="02040503050406030204" pitchFamily="18" charset="0"/>
+                            </a:rPr>
+                          </m:ctrlPr>
+                        </m:dPr>
+                        <m:e>
+                          <m:r>
+                            <a:rPr lang="en-US" altLang="zh-CN" sz="2000" b="1" i="0" smtClean="0">
+                              <a:solidFill>
+                                <a:schemeClr val="tx1"/>
+                              </a:solidFill>
+                              <a:latin typeface="Cambria Math" panose="02040503050406030204" pitchFamily="18" charset="0"/>
+                            </a:rPr>
+                            <m:t>𝐭</m:t>
+                          </m:r>
+                        </m:e>
+                      </m:d>
+                      <m:r>
+                        <a:rPr lang="en-US" altLang="zh-CN" sz="2000" b="1" i="0" smtClean="0">
+                          <a:solidFill>
+                            <a:schemeClr val="tx1"/>
+                          </a:solidFill>
+                          <a:latin typeface="Cambria Math" panose="02040503050406030204" pitchFamily="18" charset="0"/>
+                        </a:rPr>
+                        <m:t>𝐝</m:t>
+                      </m:r>
+                      <m:sSub>
+                        <m:sSubPr>
+                          <m:ctrlPr>
+                            <a:rPr lang="en-US" altLang="zh-CN" sz="2000" b="1" smtClean="0">
+                              <a:solidFill>
+                                <a:schemeClr val="tx1"/>
+                              </a:solidFill>
+                              <a:latin typeface="Cambria Math" panose="02040503050406030204" pitchFamily="18" charset="0"/>
+                            </a:rPr>
+                          </m:ctrlPr>
+                        </m:sSubPr>
+                        <m:e>
+                          <m:acc>
+                            <m:accPr>
+                              <m:chr m:val="̅"/>
+                              <m:ctrlPr>
+                                <a:rPr lang="en-US" altLang="zh-CN" sz="2000" b="1" smtClean="0">
+                                  <a:solidFill>
+                                    <a:schemeClr val="tx1"/>
+                                  </a:solidFill>
+                                  <a:latin typeface="Cambria Math" panose="02040503050406030204" pitchFamily="18" charset="0"/>
+                                </a:rPr>
+                              </m:ctrlPr>
+                            </m:accPr>
+                            <m:e>
+                              <m:r>
+                                <a:rPr lang="en-US" altLang="zh-CN" sz="2000" b="1" i="0" smtClean="0">
+                                  <a:solidFill>
+                                    <a:schemeClr val="tx1"/>
+                                  </a:solidFill>
+                                  <a:latin typeface="Cambria Math" panose="02040503050406030204" pitchFamily="18" charset="0"/>
+                                </a:rPr>
+                                <m:t>𝐰</m:t>
+                              </m:r>
+                            </m:e>
+                          </m:acc>
+                        </m:e>
+                        <m:sub>
+                          <m:r>
+                            <a:rPr lang="en-US" altLang="zh-CN" sz="2000" b="1" i="0" smtClean="0">
+                              <a:solidFill>
+                                <a:schemeClr val="tx1"/>
+                              </a:solidFill>
+                              <a:latin typeface="Cambria Math" panose="02040503050406030204" pitchFamily="18" charset="0"/>
+                            </a:rPr>
+                            <m:t>𝐭</m:t>
+                          </m:r>
+                        </m:sub>
+                      </m:sSub>
+                    </m:oMath>
+                  </m:oMathPara>
+                </a14:m>
+                <a:endParaRPr lang="zh-CN" altLang="en-US" sz="2000" b="1" dirty="0">
+                  <a:solidFill>
+                    <a:schemeClr val="tx1"/>
+                  </a:solidFill>
+                </a:endParaRPr>
+              </a:p>
+            </p:txBody>
+          </p:sp>
+        </mc:Choice>
+        <mc:Fallback>
+          <p:sp>
+            <p:nvSpPr>
+              <p:cNvPr id="6" name="文本框 5">
+                <a:extLst>
+                  <a:ext uri="{FF2B5EF4-FFF2-40B4-BE49-F238E27FC236}">
+                    <a16:creationId xmlns:a16="http://schemas.microsoft.com/office/drawing/2014/main" id="{629539ED-C6ED-6A46-396F-D2530AC7A8E5}"/>
+                  </a:ext>
+                </a:extLst>
+              </p:cNvPr>
+              <p:cNvSpPr txBox="1">
+                <a:spLocks noRot="1" noChangeAspect="1" noMove="1" noResize="1" noEditPoints="1" noAdjustHandles="1" noChangeArrowheads="1" noChangeShapeType="1" noTextEdit="1"/>
+              </p:cNvSpPr>
+              <p:nvPr/>
+            </p:nvSpPr>
+            <p:spPr>
+              <a:xfrm>
+                <a:off x="7150837" y="3882642"/>
+                <a:ext cx="4931478" cy="460639"/>
+              </a:xfrm>
+              <a:prstGeom prst="rect">
+                <a:avLst/>
+              </a:prstGeom>
+              <a:blipFill>
+                <a:blip r:embed="rId4"/>
+                <a:stretch>
+                  <a:fillRect/>
+                </a:stretch>
+              </a:blipFill>
+            </p:spPr>
+            <p:txBody>
+              <a:bodyPr/>
+              <a:lstStyle/>
+              <a:p>
+                <a:r>
+                  <a:rPr lang="zh-CN" altLang="en-US">
+                    <a:noFill/>
+                  </a:rPr>
+                  <a:t> </a:t>
+                </a:r>
+              </a:p>
+            </p:txBody>
+          </p:sp>
+        </mc:Fallback>
+      </mc:AlternateContent>
+      <mc:AlternateContent xmlns:mc="http://schemas.openxmlformats.org/markup-compatibility/2006">
+        <mc:Choice xmlns:a14="http://schemas.microsoft.com/office/drawing/2010/main" Requires="a14">
+          <p:sp>
+            <p:nvSpPr>
+              <p:cNvPr id="7" name="文本框 6">
+                <a:extLst>
+                  <a:ext uri="{FF2B5EF4-FFF2-40B4-BE49-F238E27FC236}">
+                    <a16:creationId xmlns:a16="http://schemas.microsoft.com/office/drawing/2014/main" id="{E88F01D9-2976-0B69-7C60-7E5DC5614A5B}"/>
+                  </a:ext>
+                </a:extLst>
+              </p:cNvPr>
+              <p:cNvSpPr txBox="1"/>
+              <p:nvPr/>
+            </p:nvSpPr>
+            <p:spPr>
+              <a:xfrm>
+                <a:off x="7694447" y="5873008"/>
+                <a:ext cx="3844258" cy="795474"/>
+              </a:xfrm>
+              <a:prstGeom prst="rect">
+                <a:avLst/>
+              </a:prstGeom>
+              <a:noFill/>
+            </p:spPr>
+            <p:txBody>
+              <a:bodyPr wrap="none" lIns="0" tIns="0" rIns="0" bIns="0" rtlCol="0">
+                <a:spAutoFit/>
+              </a:bodyPr>
+              <a:lstStyle/>
+              <a:p>
+                <a14:m>
+                  <m:oMathPara xmlns:m="http://schemas.openxmlformats.org/officeDocument/2006/math">
+                    <m:oMathParaPr>
+                      <m:jc m:val="centerGroup"/>
+                    </m:oMathParaPr>
+                    <m:oMath xmlns:m="http://schemas.openxmlformats.org/officeDocument/2006/math">
+                      <m:sSub>
+                        <m:sSubPr>
+                          <m:ctrlPr>
+                            <a:rPr lang="en-US" altLang="zh-CN" sz="2000" b="1" smtClean="0">
+                              <a:latin typeface="Cambria Math" panose="02040503050406030204" pitchFamily="18" charset="0"/>
+                            </a:rPr>
+                          </m:ctrlPr>
+                        </m:sSubPr>
+                        <m:e>
+                          <m:r>
+                            <a:rPr lang="en-US" altLang="zh-CN" sz="2000" b="1" i="0" smtClean="0">
+                              <a:latin typeface="Cambria Math" panose="02040503050406030204" pitchFamily="18" charset="0"/>
+                            </a:rPr>
+                            <m:t>𝐝</m:t>
+                          </m:r>
+                          <m:r>
+                            <a:rPr lang="en-US" altLang="zh-CN" sz="2000" b="1" i="0" smtClean="0">
+                              <a:latin typeface="Cambria Math" panose="02040503050406030204" pitchFamily="18" charset="0"/>
+                            </a:rPr>
+                            <m:t>𝐱</m:t>
+                          </m:r>
+                        </m:e>
+                        <m:sub>
+                          <m:r>
+                            <a:rPr lang="en-US" altLang="zh-CN" sz="2000" b="1" i="0" smtClean="0">
+                              <a:latin typeface="Cambria Math" panose="02040503050406030204" pitchFamily="18" charset="0"/>
+                            </a:rPr>
+                            <m:t>𝐭</m:t>
+                          </m:r>
+                        </m:sub>
+                      </m:sSub>
+                      <m:r>
+                        <a:rPr lang="en-US" altLang="zh-CN" sz="2000" b="1" i="0" smtClean="0">
+                          <a:latin typeface="Cambria Math" panose="02040503050406030204" pitchFamily="18" charset="0"/>
+                        </a:rPr>
+                        <m:t>=</m:t>
+                      </m:r>
+                      <m:d>
+                        <m:dPr>
+                          <m:ctrlPr>
+                            <a:rPr lang="en-US" altLang="zh-CN" sz="2000" b="1" smtClean="0">
+                              <a:latin typeface="Cambria Math" panose="02040503050406030204" pitchFamily="18" charset="0"/>
+                            </a:rPr>
+                          </m:ctrlPr>
+                        </m:dPr>
+                        <m:e>
+                          <m:r>
+                            <a:rPr lang="en-US" altLang="zh-CN" sz="2000" b="1" i="0">
+                              <a:latin typeface="Cambria Math" panose="02040503050406030204" pitchFamily="18" charset="0"/>
+                            </a:rPr>
+                            <m:t>𝐟</m:t>
+                          </m:r>
+                          <m:d>
+                            <m:dPr>
+                              <m:ctrlPr>
+                                <a:rPr lang="en-US" altLang="zh-CN" sz="2000" b="1">
+                                  <a:latin typeface="Cambria Math" panose="02040503050406030204" pitchFamily="18" charset="0"/>
+                                </a:rPr>
+                              </m:ctrlPr>
+                            </m:dPr>
+                            <m:e>
+                              <m:r>
+                                <a:rPr lang="en-US" altLang="zh-CN" sz="2000" b="1" i="0">
+                                  <a:latin typeface="Cambria Math" panose="02040503050406030204" pitchFamily="18" charset="0"/>
+                                </a:rPr>
+                                <m:t>𝐭</m:t>
+                              </m:r>
+                            </m:e>
+                          </m:d>
+                          <m:sSub>
+                            <m:sSubPr>
+                              <m:ctrlPr>
+                                <a:rPr lang="en-US" altLang="zh-CN" sz="2000" b="1">
+                                  <a:latin typeface="Cambria Math" panose="02040503050406030204" pitchFamily="18" charset="0"/>
+                                </a:rPr>
+                              </m:ctrlPr>
+                            </m:sSubPr>
+                            <m:e>
+                              <m:r>
+                                <a:rPr lang="en-US" altLang="zh-CN" sz="2000" b="1" i="0">
+                                  <a:latin typeface="Cambria Math" panose="02040503050406030204" pitchFamily="18" charset="0"/>
+                                </a:rPr>
+                                <m:t>𝐱</m:t>
+                              </m:r>
+                            </m:e>
+                            <m:sub>
+                              <m:r>
+                                <a:rPr lang="en-US" altLang="zh-CN" sz="2000" b="1" i="0">
+                                  <a:latin typeface="Cambria Math" panose="02040503050406030204" pitchFamily="18" charset="0"/>
+                                </a:rPr>
+                                <m:t>𝐭</m:t>
+                              </m:r>
+                            </m:sub>
+                          </m:sSub>
+                          <m:r>
+                            <a:rPr lang="en-US" altLang="zh-CN" sz="2000" b="1" i="0">
+                              <a:latin typeface="Cambria Math" panose="02040503050406030204" pitchFamily="18" charset="0"/>
+                            </a:rPr>
+                            <m:t>−</m:t>
+                          </m:r>
+                          <m:f>
+                            <m:fPr>
+                              <m:ctrlPr>
+                                <a:rPr lang="en-US" altLang="zh-CN" sz="2000" b="1" smtClean="0">
+                                  <a:latin typeface="Cambria Math" panose="02040503050406030204" pitchFamily="18" charset="0"/>
+                                </a:rPr>
+                              </m:ctrlPr>
+                            </m:fPr>
+                            <m:num>
+                              <m:sSup>
+                                <m:sSupPr>
+                                  <m:ctrlPr>
+                                    <a:rPr lang="en-US" altLang="zh-CN" sz="2000" b="1">
+                                      <a:latin typeface="Cambria Math" panose="02040503050406030204" pitchFamily="18" charset="0"/>
+                                    </a:rPr>
+                                  </m:ctrlPr>
+                                </m:sSupPr>
+                                <m:e>
+                                  <m:r>
+                                    <a:rPr lang="en-US" altLang="zh-CN" sz="2000" b="1" i="0">
+                                      <a:latin typeface="Cambria Math" panose="02040503050406030204" pitchFamily="18" charset="0"/>
+                                    </a:rPr>
+                                    <m:t>𝐠</m:t>
+                                  </m:r>
+                                </m:e>
+                                <m:sup>
+                                  <m:r>
+                                    <a:rPr lang="en-US" altLang="zh-CN" sz="2000" b="1" i="0">
+                                      <a:latin typeface="Cambria Math" panose="02040503050406030204" pitchFamily="18" charset="0"/>
+                                    </a:rPr>
+                                    <m:t>𝟐</m:t>
+                                  </m:r>
+                                </m:sup>
+                              </m:sSup>
+                              <m:d>
+                                <m:dPr>
+                                  <m:ctrlPr>
+                                    <a:rPr lang="en-US" altLang="zh-CN" sz="2000" b="1">
+                                      <a:latin typeface="Cambria Math" panose="02040503050406030204" pitchFamily="18" charset="0"/>
+                                    </a:rPr>
+                                  </m:ctrlPr>
+                                </m:dPr>
+                                <m:e>
+                                  <m:r>
+                                    <a:rPr lang="en-US" altLang="zh-CN" sz="2000" b="1" i="0">
+                                      <a:latin typeface="Cambria Math" panose="02040503050406030204" pitchFamily="18" charset="0"/>
+                                    </a:rPr>
+                                    <m:t>𝐭</m:t>
+                                  </m:r>
+                                </m:e>
+                              </m:d>
+                            </m:num>
+                            <m:den>
+                              <m:r>
+                                <a:rPr lang="en-US" altLang="zh-CN" sz="2000" b="1" i="0" smtClean="0">
+                                  <a:latin typeface="Cambria Math" panose="02040503050406030204" pitchFamily="18" charset="0"/>
+                                </a:rPr>
+                                <m:t>𝟐</m:t>
+                              </m:r>
+                            </m:den>
+                          </m:f>
+                          <m:sSub>
+                            <m:sSubPr>
+                              <m:ctrlPr>
+                                <a:rPr lang="en-US" altLang="zh-CN" sz="2000" b="1">
+                                  <a:latin typeface="Cambria Math" panose="02040503050406030204" pitchFamily="18" charset="0"/>
+                                </a:rPr>
+                              </m:ctrlPr>
+                            </m:sSubPr>
+                            <m:e>
+                              <m:r>
+                                <a:rPr lang="en-US" altLang="zh-CN" sz="2000" b="1" i="0">
+                                  <a:latin typeface="Cambria Math" panose="02040503050406030204" pitchFamily="18" charset="0"/>
+                                </a:rPr>
+                                <m:t>𝐬</m:t>
+                              </m:r>
+                            </m:e>
+                            <m:sub>
+                              <m:r>
+                                <a:rPr lang="zh-CN" altLang="en-US" sz="2000" b="1" i="0">
+                                  <a:latin typeface="Cambria Math" panose="02040503050406030204" pitchFamily="18" charset="0"/>
+                                </a:rPr>
+                                <m:t>𝛉</m:t>
+                              </m:r>
+                            </m:sub>
+                          </m:sSub>
+                          <m:d>
+                            <m:dPr>
+                              <m:ctrlPr>
+                                <a:rPr lang="en-US" altLang="zh-CN" sz="2000" b="1">
+                                  <a:latin typeface="Cambria Math" panose="02040503050406030204" pitchFamily="18" charset="0"/>
+                                </a:rPr>
+                              </m:ctrlPr>
+                            </m:dPr>
+                            <m:e>
+                              <m:sSub>
+                                <m:sSubPr>
+                                  <m:ctrlPr>
+                                    <a:rPr lang="en-US" altLang="zh-CN" sz="2000" b="1">
+                                      <a:latin typeface="Cambria Math" panose="02040503050406030204" pitchFamily="18" charset="0"/>
+                                    </a:rPr>
+                                  </m:ctrlPr>
+                                </m:sSubPr>
+                                <m:e>
+                                  <m:r>
+                                    <a:rPr lang="en-US" altLang="zh-CN" sz="2000" b="1" i="0">
+                                      <a:latin typeface="Cambria Math" panose="02040503050406030204" pitchFamily="18" charset="0"/>
+                                    </a:rPr>
+                                    <m:t>𝐱</m:t>
+                                  </m:r>
+                                </m:e>
+                                <m:sub>
+                                  <m:r>
+                                    <a:rPr lang="en-US" altLang="zh-CN" sz="2000" b="1" i="0">
+                                      <a:latin typeface="Cambria Math" panose="02040503050406030204" pitchFamily="18" charset="0"/>
+                                    </a:rPr>
+                                    <m:t>𝐭</m:t>
+                                  </m:r>
+                                </m:sub>
+                              </m:sSub>
+                              <m:r>
+                                <a:rPr lang="en-US" altLang="zh-CN" sz="2000" b="1" i="0">
+                                  <a:latin typeface="Cambria Math" panose="02040503050406030204" pitchFamily="18" charset="0"/>
+                                </a:rPr>
+                                <m:t>, </m:t>
+                              </m:r>
+                              <m:r>
+                                <a:rPr lang="en-US" altLang="zh-CN" sz="2000" b="1" i="0">
+                                  <a:latin typeface="Cambria Math" panose="02040503050406030204" pitchFamily="18" charset="0"/>
+                                </a:rPr>
+                                <m:t>𝐭</m:t>
+                              </m:r>
+                            </m:e>
+                          </m:d>
+                        </m:e>
+                      </m:d>
+                      <m:r>
+                        <a:rPr lang="en-US" altLang="zh-CN" sz="2000" b="1" i="0" smtClean="0">
+                          <a:latin typeface="Cambria Math" panose="02040503050406030204" pitchFamily="18" charset="0"/>
+                        </a:rPr>
+                        <m:t>𝐝𝐭</m:t>
+                      </m:r>
+                    </m:oMath>
+                  </m:oMathPara>
+                </a14:m>
+                <a:endParaRPr lang="zh-CN" altLang="en-US" sz="2000" b="1" dirty="0"/>
+              </a:p>
+            </p:txBody>
+          </p:sp>
+        </mc:Choice>
+        <mc:Fallback>
+          <p:sp>
+            <p:nvSpPr>
+              <p:cNvPr id="7" name="文本框 6">
+                <a:extLst>
+                  <a:ext uri="{FF2B5EF4-FFF2-40B4-BE49-F238E27FC236}">
+                    <a16:creationId xmlns:a16="http://schemas.microsoft.com/office/drawing/2014/main" id="{E88F01D9-2976-0B69-7C60-7E5DC5614A5B}"/>
+                  </a:ext>
+                </a:extLst>
+              </p:cNvPr>
+              <p:cNvSpPr txBox="1">
+                <a:spLocks noRot="1" noChangeAspect="1" noMove="1" noResize="1" noEditPoints="1" noAdjustHandles="1" noChangeArrowheads="1" noChangeShapeType="1" noTextEdit="1"/>
+              </p:cNvSpPr>
+              <p:nvPr/>
+            </p:nvSpPr>
+            <p:spPr>
+              <a:xfrm>
+                <a:off x="7694447" y="5873008"/>
+                <a:ext cx="3844258" cy="795474"/>
+              </a:xfrm>
+              <a:prstGeom prst="rect">
+                <a:avLst/>
+              </a:prstGeom>
+              <a:blipFill>
+                <a:blip r:embed="rId5"/>
+                <a:stretch>
+                  <a:fillRect/>
+                </a:stretch>
+              </a:blipFill>
+            </p:spPr>
+            <p:txBody>
+              <a:bodyPr/>
+              <a:lstStyle/>
+              <a:p>
+                <a:r>
+                  <a:rPr lang="zh-CN" altLang="en-US">
+                    <a:noFill/>
+                  </a:rPr>
+                  <a:t> </a:t>
+                </a:r>
+              </a:p>
+            </p:txBody>
+          </p:sp>
+        </mc:Fallback>
+      </mc:AlternateContent>
+      <p:sp>
+        <p:nvSpPr>
+          <p:cNvPr id="10" name="文本框 9">
+            <a:extLst>
+              <a:ext uri="{FF2B5EF4-FFF2-40B4-BE49-F238E27FC236}">
+                <a16:creationId xmlns:a16="http://schemas.microsoft.com/office/drawing/2014/main" id="{68F782BB-D80F-050C-9203-53442D41F870}"/>
+              </a:ext>
+            </a:extLst>
+          </p:cNvPr>
+          <p:cNvSpPr txBox="1"/>
+          <p:nvPr/>
+        </p:nvSpPr>
+        <p:spPr>
+          <a:xfrm>
+            <a:off x="8768319" y="168583"/>
+            <a:ext cx="1696517" cy="369332"/>
+          </a:xfrm>
+          <a:prstGeom prst="rect">
+            <a:avLst/>
+          </a:prstGeom>
+          <a:noFill/>
+        </p:spPr>
+        <p:txBody>
+          <a:bodyPr wrap="square">
+            <a:spAutoFit/>
+          </a:bodyPr>
+          <a:lstStyle/>
+          <a:p>
+            <a:pPr algn="l">
+              <a:buNone/>
+            </a:pPr>
+            <a:r>
+              <a:rPr lang="en-US" altLang="zh-CN" b="1" i="0" dirty="0">
+                <a:effectLst/>
+                <a:latin typeface="微软雅黑" panose="020B0503020204020204" pitchFamily="34" charset="-122"/>
+                <a:ea typeface="微软雅黑" panose="020B0503020204020204" pitchFamily="34" charset="-122"/>
+              </a:rPr>
+              <a:t>Continuous</a:t>
+            </a:r>
+          </a:p>
+        </p:txBody>
+      </p:sp>
+      <p:sp>
+        <p:nvSpPr>
+          <p:cNvPr id="11" name="文本框 10">
+            <a:extLst>
+              <a:ext uri="{FF2B5EF4-FFF2-40B4-BE49-F238E27FC236}">
+                <a16:creationId xmlns:a16="http://schemas.microsoft.com/office/drawing/2014/main" id="{11E76281-AEB3-8745-F27E-C86D3526C563}"/>
+              </a:ext>
+            </a:extLst>
+          </p:cNvPr>
+          <p:cNvSpPr txBox="1"/>
+          <p:nvPr/>
+        </p:nvSpPr>
+        <p:spPr>
+          <a:xfrm>
+            <a:off x="3307319" y="163896"/>
+            <a:ext cx="1485900" cy="369332"/>
+          </a:xfrm>
+          <a:prstGeom prst="rect">
+            <a:avLst/>
+          </a:prstGeom>
+          <a:noFill/>
+        </p:spPr>
+        <p:txBody>
+          <a:bodyPr wrap="square">
+            <a:spAutoFit/>
+          </a:bodyPr>
+          <a:lstStyle/>
+          <a:p>
+            <a:pPr algn="l">
+              <a:buNone/>
+            </a:pPr>
+            <a:r>
+              <a:rPr lang="en-US" altLang="zh-CN" b="1" i="0" dirty="0">
+                <a:effectLst/>
+                <a:latin typeface="微软雅黑" panose="020B0503020204020204" pitchFamily="34" charset="-122"/>
+                <a:ea typeface="微软雅黑" panose="020B0503020204020204" pitchFamily="34" charset="-122"/>
+              </a:rPr>
+              <a:t>Discrete </a:t>
+            </a:r>
+          </a:p>
+        </p:txBody>
+      </p:sp>
+      <p:sp>
+        <p:nvSpPr>
+          <p:cNvPr id="13" name="文本框 12">
+            <a:extLst>
+              <a:ext uri="{FF2B5EF4-FFF2-40B4-BE49-F238E27FC236}">
+                <a16:creationId xmlns:a16="http://schemas.microsoft.com/office/drawing/2014/main" id="{B9C115F0-E433-D36E-C3E6-3BD6BEA5FA3A}"/>
+              </a:ext>
+            </a:extLst>
+          </p:cNvPr>
+          <p:cNvSpPr txBox="1"/>
+          <p:nvPr/>
+        </p:nvSpPr>
+        <p:spPr>
+          <a:xfrm>
+            <a:off x="13507" y="1723965"/>
+            <a:ext cx="1485900" cy="369332"/>
+          </a:xfrm>
+          <a:prstGeom prst="rect">
+            <a:avLst/>
+          </a:prstGeom>
+          <a:noFill/>
+        </p:spPr>
+        <p:txBody>
+          <a:bodyPr wrap="square">
+            <a:spAutoFit/>
+          </a:bodyPr>
+          <a:lstStyle/>
+          <a:p>
+            <a:pPr algn="l">
+              <a:buNone/>
+            </a:pPr>
+            <a:r>
+              <a:rPr lang="en-US" altLang="zh-CN" b="1" i="0" dirty="0">
+                <a:effectLst/>
+                <a:latin typeface="微软雅黑" panose="020B0503020204020204" pitchFamily="34" charset="-122"/>
+                <a:ea typeface="微软雅黑" panose="020B0503020204020204" pitchFamily="34" charset="-122"/>
+              </a:rPr>
+              <a:t>Forward </a:t>
+            </a:r>
+          </a:p>
+        </p:txBody>
+      </p:sp>
+      <p:sp>
+        <p:nvSpPr>
+          <p:cNvPr id="14" name="文本框 13">
+            <a:extLst>
+              <a:ext uri="{FF2B5EF4-FFF2-40B4-BE49-F238E27FC236}">
+                <a16:creationId xmlns:a16="http://schemas.microsoft.com/office/drawing/2014/main" id="{479AA3E4-60E4-08BC-5FAE-611A91B965AD}"/>
+              </a:ext>
+            </a:extLst>
+          </p:cNvPr>
+          <p:cNvSpPr txBox="1"/>
+          <p:nvPr/>
+        </p:nvSpPr>
+        <p:spPr>
+          <a:xfrm>
+            <a:off x="1414535" y="3879167"/>
+            <a:ext cx="1402988" cy="338554"/>
+          </a:xfrm>
+          <a:prstGeom prst="rect">
+            <a:avLst/>
+          </a:prstGeom>
+          <a:noFill/>
+        </p:spPr>
+        <p:txBody>
+          <a:bodyPr wrap="square">
+            <a:spAutoFit/>
+          </a:bodyPr>
+          <a:lstStyle/>
+          <a:p>
+            <a:r>
+              <a:rPr lang="en-US" altLang="zh-CN" sz="1600" b="1" dirty="0">
+                <a:latin typeface="微软雅黑" panose="020B0503020204020204" pitchFamily="34" charset="-122"/>
+                <a:ea typeface="微软雅黑" panose="020B0503020204020204" pitchFamily="34" charset="-122"/>
+              </a:rPr>
+              <a:t>Stochastic</a:t>
+            </a:r>
+            <a:endParaRPr lang="en-US" altLang="zh-CN" sz="1600" i="0" dirty="0">
+              <a:effectLst/>
+              <a:latin typeface="微软雅黑" panose="020B0503020204020204" pitchFamily="34" charset="-122"/>
+              <a:ea typeface="微软雅黑" panose="020B0503020204020204" pitchFamily="34" charset="-122"/>
+            </a:endParaRPr>
+          </a:p>
+        </p:txBody>
+      </p:sp>
+      <p:sp>
+        <p:nvSpPr>
+          <p:cNvPr id="15" name="文本框 14">
+            <a:extLst>
+              <a:ext uri="{FF2B5EF4-FFF2-40B4-BE49-F238E27FC236}">
+                <a16:creationId xmlns:a16="http://schemas.microsoft.com/office/drawing/2014/main" id="{9AA9DA8F-9C6F-476E-4ABE-E02A301B84E4}"/>
+              </a:ext>
+            </a:extLst>
+          </p:cNvPr>
+          <p:cNvSpPr txBox="1"/>
+          <p:nvPr/>
+        </p:nvSpPr>
+        <p:spPr>
+          <a:xfrm>
+            <a:off x="1274111" y="5833765"/>
+            <a:ext cx="1887081" cy="338554"/>
+          </a:xfrm>
+          <a:prstGeom prst="rect">
+            <a:avLst/>
+          </a:prstGeom>
+          <a:noFill/>
+        </p:spPr>
+        <p:txBody>
+          <a:bodyPr wrap="square">
+            <a:spAutoFit/>
+          </a:bodyPr>
+          <a:lstStyle/>
+          <a:p>
+            <a:r>
+              <a:rPr lang="en-US" altLang="zh-CN" sz="1600" b="1" dirty="0">
+                <a:latin typeface="微软雅黑" panose="020B0503020204020204" pitchFamily="34" charset="-122"/>
+                <a:ea typeface="微软雅黑" panose="020B0503020204020204" pitchFamily="34" charset="-122"/>
+              </a:rPr>
+              <a:t>Deterministic </a:t>
+            </a:r>
+            <a:endParaRPr lang="en-US" altLang="zh-CN" sz="1600" i="0" dirty="0">
+              <a:effectLst/>
+              <a:latin typeface="微软雅黑" panose="020B0503020204020204" pitchFamily="34" charset="-122"/>
+              <a:ea typeface="微软雅黑" panose="020B0503020204020204" pitchFamily="34" charset="-122"/>
+            </a:endParaRPr>
+          </a:p>
+        </p:txBody>
+      </p:sp>
+      <p:sp>
+        <p:nvSpPr>
+          <p:cNvPr id="17" name="文本框 16">
+            <a:extLst>
+              <a:ext uri="{FF2B5EF4-FFF2-40B4-BE49-F238E27FC236}">
+                <a16:creationId xmlns:a16="http://schemas.microsoft.com/office/drawing/2014/main" id="{CF6B50CF-DB95-175B-2F1E-6516D0AFC708}"/>
+              </a:ext>
+            </a:extLst>
+          </p:cNvPr>
+          <p:cNvSpPr txBox="1"/>
+          <p:nvPr/>
+        </p:nvSpPr>
+        <p:spPr>
+          <a:xfrm>
+            <a:off x="104877" y="4816808"/>
+            <a:ext cx="1485900" cy="369332"/>
+          </a:xfrm>
+          <a:prstGeom prst="rect">
+            <a:avLst/>
+          </a:prstGeom>
+          <a:noFill/>
+        </p:spPr>
+        <p:txBody>
+          <a:bodyPr wrap="square">
+            <a:spAutoFit/>
+          </a:bodyPr>
+          <a:lstStyle/>
+          <a:p>
+            <a:pPr algn="l">
+              <a:buNone/>
+            </a:pPr>
+            <a:r>
+              <a:rPr lang="en-US" altLang="zh-CN" sz="1600" b="1" i="0" dirty="0">
+                <a:effectLst/>
+                <a:latin typeface="微软雅黑" panose="020B0503020204020204" pitchFamily="34" charset="-122"/>
+                <a:ea typeface="微软雅黑" panose="020B0503020204020204" pitchFamily="34" charset="-122"/>
+              </a:rPr>
+              <a:t>Reverse</a:t>
+            </a:r>
+            <a:r>
+              <a:rPr lang="en-US" altLang="zh-CN" b="1" i="0" dirty="0">
+                <a:effectLst/>
+                <a:latin typeface="微软雅黑" panose="020B0503020204020204" pitchFamily="34" charset="-122"/>
+                <a:ea typeface="微软雅黑" panose="020B0503020204020204" pitchFamily="34" charset="-122"/>
+              </a:rPr>
+              <a:t> </a:t>
+            </a:r>
+          </a:p>
+        </p:txBody>
+      </p:sp>
+      <p:cxnSp>
+        <p:nvCxnSpPr>
+          <p:cNvPr id="19" name="直接连接符 18">
+            <a:extLst>
+              <a:ext uri="{FF2B5EF4-FFF2-40B4-BE49-F238E27FC236}">
+                <a16:creationId xmlns:a16="http://schemas.microsoft.com/office/drawing/2014/main" id="{92A79D9C-8157-9E90-3FA1-B2804F76A1E4}"/>
+              </a:ext>
+            </a:extLst>
+          </p:cNvPr>
+          <p:cNvCxnSpPr>
+            <a:cxnSpLocks/>
+          </p:cNvCxnSpPr>
+          <p:nvPr/>
+        </p:nvCxnSpPr>
+        <p:spPr>
+          <a:xfrm rot="2700000">
+            <a:off x="4210553" y="1633451"/>
+            <a:ext cx="5400000" cy="5400000"/>
+          </a:xfrm>
+          <a:prstGeom prst="line">
+            <a:avLst/>
+          </a:prstGeom>
+          <a:ln>
+            <a:prstDash val="dash"/>
+          </a:ln>
+        </p:spPr>
+        <p:style>
+          <a:lnRef idx="2">
+            <a:schemeClr val="accent1"/>
+          </a:lnRef>
+          <a:fillRef idx="0">
+            <a:schemeClr val="accent1"/>
+          </a:fillRef>
+          <a:effectRef idx="1">
+            <a:schemeClr val="accent1"/>
+          </a:effectRef>
+          <a:fontRef idx="minor">
+            <a:schemeClr val="tx1"/>
+          </a:fontRef>
+        </p:style>
+      </p:cxnSp>
+      <p:cxnSp>
+        <p:nvCxnSpPr>
+          <p:cNvPr id="20" name="直接连接符 19">
+            <a:extLst>
+              <a:ext uri="{FF2B5EF4-FFF2-40B4-BE49-F238E27FC236}">
+                <a16:creationId xmlns:a16="http://schemas.microsoft.com/office/drawing/2014/main" id="{D5324090-A6CF-5FDA-5EA2-AD277B7CCAFB}"/>
+              </a:ext>
+            </a:extLst>
+          </p:cNvPr>
+          <p:cNvCxnSpPr>
+            <a:cxnSpLocks/>
+          </p:cNvCxnSpPr>
+          <p:nvPr/>
+        </p:nvCxnSpPr>
+        <p:spPr>
+          <a:xfrm rot="8100000">
+            <a:off x="2525557" y="-1481726"/>
+            <a:ext cx="9000000" cy="9000000"/>
+          </a:xfrm>
+          <a:prstGeom prst="line">
+            <a:avLst/>
+          </a:prstGeom>
+          <a:ln>
+            <a:prstDash val="dash"/>
+          </a:ln>
+        </p:spPr>
+        <p:style>
+          <a:lnRef idx="2">
+            <a:schemeClr val="accent1"/>
+          </a:lnRef>
+          <a:fillRef idx="0">
+            <a:schemeClr val="accent1"/>
+          </a:fillRef>
+          <a:effectRef idx="1">
+            <a:schemeClr val="accent1"/>
+          </a:effectRef>
+          <a:fontRef idx="minor">
+            <a:schemeClr val="tx1"/>
+          </a:fontRef>
+        </p:style>
+      </p:cxnSp>
+      <p:sp>
+        <p:nvSpPr>
+          <p:cNvPr id="21" name="文本框 20">
+            <a:extLst>
+              <a:ext uri="{FF2B5EF4-FFF2-40B4-BE49-F238E27FC236}">
+                <a16:creationId xmlns:a16="http://schemas.microsoft.com/office/drawing/2014/main" id="{BAA53A23-5E95-6300-9DD4-252374707B77}"/>
+              </a:ext>
+            </a:extLst>
+          </p:cNvPr>
+          <p:cNvSpPr txBox="1"/>
+          <p:nvPr/>
+        </p:nvSpPr>
+        <p:spPr>
+          <a:xfrm>
+            <a:off x="1635808" y="2001452"/>
+            <a:ext cx="4151811" cy="338554"/>
+          </a:xfrm>
+          <a:prstGeom prst="rect">
+            <a:avLst/>
+          </a:prstGeom>
+          <a:noFill/>
+        </p:spPr>
+        <p:txBody>
+          <a:bodyPr wrap="square">
+            <a:spAutoFit/>
+          </a:bodyPr>
+          <a:lstStyle/>
+          <a:p>
+            <a:pPr algn="l">
+              <a:buNone/>
+            </a:pPr>
+            <a:r>
+              <a:rPr lang="en-US" altLang="zh-CN" sz="1600" b="1" i="0" dirty="0">
+                <a:effectLst/>
+                <a:latin typeface="微软雅黑" panose="020B0503020204020204" pitchFamily="34" charset="-122"/>
+                <a:ea typeface="微软雅黑" panose="020B0503020204020204" pitchFamily="34" charset="-122"/>
+                <a:cs typeface="Times New Roman" panose="02020603050405020304" pitchFamily="18" charset="0"/>
+              </a:rPr>
+              <a:t>Example:  </a:t>
+            </a:r>
+            <a:r>
+              <a:rPr lang="en-US" altLang="zh-CN" sz="1600" i="0" dirty="0">
+                <a:effectLst/>
+                <a:latin typeface="微软雅黑" panose="020B0503020204020204" pitchFamily="34" charset="-122"/>
+                <a:ea typeface="微软雅黑" panose="020B0503020204020204" pitchFamily="34" charset="-122"/>
+                <a:cs typeface="Times New Roman" panose="02020603050405020304" pitchFamily="18" charset="0"/>
+              </a:rPr>
+              <a:t>VP-Style: Linear, Cosine, … </a:t>
+            </a:r>
+          </a:p>
+        </p:txBody>
+      </p:sp>
+      <p:sp>
+        <p:nvSpPr>
+          <p:cNvPr id="22" name="文本框 21">
+            <a:extLst>
+              <a:ext uri="{FF2B5EF4-FFF2-40B4-BE49-F238E27FC236}">
+                <a16:creationId xmlns:a16="http://schemas.microsoft.com/office/drawing/2014/main" id="{D815B42E-142B-1442-5C0E-B5ABAB1D3623}"/>
+              </a:ext>
+            </a:extLst>
+          </p:cNvPr>
+          <p:cNvSpPr txBox="1"/>
+          <p:nvPr/>
+        </p:nvSpPr>
+        <p:spPr>
+          <a:xfrm>
+            <a:off x="2694496" y="2521215"/>
+            <a:ext cx="2400979" cy="338554"/>
+          </a:xfrm>
+          <a:prstGeom prst="rect">
+            <a:avLst/>
+          </a:prstGeom>
+          <a:noFill/>
+        </p:spPr>
+        <p:txBody>
+          <a:bodyPr wrap="square">
+            <a:spAutoFit/>
+          </a:bodyPr>
+          <a:lstStyle/>
+          <a:p>
+            <a:pPr algn="l">
+              <a:buNone/>
+            </a:pPr>
+            <a:r>
+              <a:rPr lang="en-US" altLang="zh-CN" sz="1600" i="0" dirty="0">
+                <a:effectLst/>
+                <a:latin typeface="微软雅黑" panose="020B0503020204020204" pitchFamily="34" charset="-122"/>
+                <a:ea typeface="微软雅黑" panose="020B0503020204020204" pitchFamily="34" charset="-122"/>
+                <a:cs typeface="Times New Roman" panose="02020603050405020304" pitchFamily="18" charset="0"/>
+              </a:rPr>
+              <a:t>VE-Style: EDM</a:t>
+            </a:r>
+          </a:p>
+        </p:txBody>
+      </p:sp>
+      <p:cxnSp>
+        <p:nvCxnSpPr>
+          <p:cNvPr id="23" name="直接连接符 22">
+            <a:extLst>
+              <a:ext uri="{FF2B5EF4-FFF2-40B4-BE49-F238E27FC236}">
+                <a16:creationId xmlns:a16="http://schemas.microsoft.com/office/drawing/2014/main" id="{129730F9-C56C-6F03-C338-ACCAE132D248}"/>
+              </a:ext>
+            </a:extLst>
+          </p:cNvPr>
+          <p:cNvCxnSpPr>
+            <a:cxnSpLocks/>
+          </p:cNvCxnSpPr>
+          <p:nvPr/>
+        </p:nvCxnSpPr>
+        <p:spPr>
+          <a:xfrm rot="2700000">
+            <a:off x="-1447442" y="978675"/>
+            <a:ext cx="5400000" cy="5400000"/>
+          </a:xfrm>
+          <a:prstGeom prst="line">
+            <a:avLst/>
+          </a:prstGeom>
+          <a:ln>
+            <a:prstDash val="dash"/>
+          </a:ln>
+        </p:spPr>
+        <p:style>
+          <a:lnRef idx="2">
+            <a:schemeClr val="accent1"/>
+          </a:lnRef>
+          <a:fillRef idx="0">
+            <a:schemeClr val="accent1"/>
+          </a:fillRef>
+          <a:effectRef idx="1">
+            <a:schemeClr val="accent1"/>
+          </a:effectRef>
+          <a:fontRef idx="minor">
+            <a:schemeClr val="tx1"/>
+          </a:fontRef>
+        </p:style>
+      </p:cxnSp>
+      <p:cxnSp>
+        <p:nvCxnSpPr>
+          <p:cNvPr id="24" name="直接连接符 23">
+            <a:extLst>
+              <a:ext uri="{FF2B5EF4-FFF2-40B4-BE49-F238E27FC236}">
+                <a16:creationId xmlns:a16="http://schemas.microsoft.com/office/drawing/2014/main" id="{79828C1D-74E3-EA70-29FD-D26442A72F3B}"/>
+              </a:ext>
+            </a:extLst>
+          </p:cNvPr>
+          <p:cNvCxnSpPr>
+            <a:cxnSpLocks/>
+          </p:cNvCxnSpPr>
+          <p:nvPr/>
+        </p:nvCxnSpPr>
+        <p:spPr>
+          <a:xfrm rot="8100000">
+            <a:off x="380802" y="-5021375"/>
+            <a:ext cx="11520000" cy="11520000"/>
+          </a:xfrm>
+          <a:prstGeom prst="line">
+            <a:avLst/>
+          </a:prstGeom>
+          <a:ln>
+            <a:prstDash val="dash"/>
+          </a:ln>
+        </p:spPr>
+        <p:style>
+          <a:lnRef idx="2">
+            <a:schemeClr val="accent1"/>
+          </a:lnRef>
+          <a:fillRef idx="0">
+            <a:schemeClr val="accent1"/>
+          </a:fillRef>
+          <a:effectRef idx="1">
+            <a:schemeClr val="accent1"/>
+          </a:effectRef>
+          <a:fontRef idx="minor">
+            <a:schemeClr val="tx1"/>
+          </a:fontRef>
+        </p:style>
+      </p:cxnSp>
+      <p:sp>
+        <p:nvSpPr>
+          <p:cNvPr id="26" name="文本框 25">
+            <a:extLst>
+              <a:ext uri="{FF2B5EF4-FFF2-40B4-BE49-F238E27FC236}">
+                <a16:creationId xmlns:a16="http://schemas.microsoft.com/office/drawing/2014/main" id="{80FECE1C-3FA3-D051-F758-BE3B8FCE5995}"/>
+              </a:ext>
+            </a:extLst>
+          </p:cNvPr>
+          <p:cNvSpPr txBox="1"/>
+          <p:nvPr/>
+        </p:nvSpPr>
+        <p:spPr>
+          <a:xfrm>
+            <a:off x="1635808" y="945931"/>
+            <a:ext cx="2312193" cy="338554"/>
+          </a:xfrm>
+          <a:prstGeom prst="rect">
+            <a:avLst/>
+          </a:prstGeom>
+          <a:noFill/>
+        </p:spPr>
+        <p:txBody>
+          <a:bodyPr wrap="square">
+            <a:spAutoFit/>
+          </a:bodyPr>
+          <a:lstStyle/>
+          <a:p>
+            <a:pPr algn="l">
+              <a:spcAft>
+                <a:spcPts val="600"/>
+              </a:spcAft>
+              <a:buNone/>
+            </a:pPr>
+            <a:r>
+              <a:rPr lang="en-US" altLang="zh-CN" sz="1600" b="1" i="0" dirty="0">
+                <a:effectLst/>
+                <a:latin typeface="微软雅黑" panose="020B0503020204020204" pitchFamily="34" charset="-122"/>
+                <a:ea typeface="微软雅黑" panose="020B0503020204020204" pitchFamily="34" charset="-122"/>
+              </a:rPr>
+              <a:t>Unified </a:t>
+            </a:r>
+            <a:r>
+              <a:rPr lang="en-US" altLang="zh-CN" sz="1600" b="1" dirty="0">
+                <a:latin typeface="微软雅黑" panose="020B0503020204020204" pitchFamily="34" charset="-122"/>
+                <a:ea typeface="微软雅黑" panose="020B0503020204020204" pitchFamily="34" charset="-122"/>
+              </a:rPr>
+              <a:t>E</a:t>
+            </a:r>
+            <a:r>
+              <a:rPr lang="en-US" altLang="zh-CN" sz="1600" b="1" i="0" dirty="0">
+                <a:effectLst/>
+                <a:latin typeface="微软雅黑" panose="020B0503020204020204" pitchFamily="34" charset="-122"/>
+                <a:ea typeface="微软雅黑" panose="020B0503020204020204" pitchFamily="34" charset="-122"/>
+              </a:rPr>
+              <a:t>xpression </a:t>
+            </a:r>
+            <a:r>
+              <a:rPr lang="en-US" altLang="zh-CN" sz="1600" b="1" dirty="0">
+                <a:latin typeface="微软雅黑" panose="020B0503020204020204" pitchFamily="34" charset="-122"/>
+                <a:ea typeface="微软雅黑" panose="020B0503020204020204" pitchFamily="34" charset="-122"/>
+              </a:rPr>
+              <a:t>: </a:t>
+            </a:r>
+            <a:r>
+              <a:rPr lang="zh-CN" altLang="en-US" sz="1600" b="1" dirty="0">
+                <a:latin typeface="微软雅黑" panose="020B0503020204020204" pitchFamily="34" charset="-122"/>
+                <a:ea typeface="微软雅黑" panose="020B0503020204020204" pitchFamily="34" charset="-122"/>
+              </a:rPr>
+              <a:t> </a:t>
+            </a:r>
+            <a:endParaRPr lang="en-US" altLang="zh-CN" sz="1600" b="1" i="0" dirty="0">
+              <a:effectLst/>
+              <a:latin typeface="微软雅黑" panose="020B0503020204020204" pitchFamily="34" charset="-122"/>
+              <a:ea typeface="微软雅黑" panose="020B0503020204020204" pitchFamily="34" charset="-122"/>
+            </a:endParaRPr>
+          </a:p>
+        </p:txBody>
+      </p:sp>
+      <p:sp>
+        <p:nvSpPr>
+          <p:cNvPr id="27" name="文本框 26">
+            <a:extLst>
+              <a:ext uri="{FF2B5EF4-FFF2-40B4-BE49-F238E27FC236}">
+                <a16:creationId xmlns:a16="http://schemas.microsoft.com/office/drawing/2014/main" id="{4E3F8705-666F-5077-160C-09999EE6E0B9}"/>
+              </a:ext>
+            </a:extLst>
+          </p:cNvPr>
+          <p:cNvSpPr txBox="1"/>
+          <p:nvPr/>
+        </p:nvSpPr>
+        <p:spPr>
+          <a:xfrm>
+            <a:off x="8288425" y="1362283"/>
+            <a:ext cx="2312193" cy="338554"/>
+          </a:xfrm>
+          <a:prstGeom prst="rect">
+            <a:avLst/>
+          </a:prstGeom>
+          <a:noFill/>
+        </p:spPr>
+        <p:txBody>
+          <a:bodyPr wrap="square">
+            <a:spAutoFit/>
+          </a:bodyPr>
+          <a:lstStyle/>
+          <a:p>
+            <a:pPr algn="l">
+              <a:spcAft>
+                <a:spcPts val="600"/>
+              </a:spcAft>
+              <a:buNone/>
+            </a:pPr>
+            <a:r>
+              <a:rPr lang="en-US" altLang="zh-CN" sz="1600" b="1" i="0" dirty="0">
+                <a:effectLst/>
+                <a:latin typeface="微软雅黑" panose="020B0503020204020204" pitchFamily="34" charset="-122"/>
+                <a:ea typeface="微软雅黑" panose="020B0503020204020204" pitchFamily="34" charset="-122"/>
+              </a:rPr>
+              <a:t>Unified </a:t>
+            </a:r>
+            <a:r>
+              <a:rPr lang="en-US" altLang="zh-CN" sz="1600" b="1" dirty="0">
+                <a:latin typeface="微软雅黑" panose="020B0503020204020204" pitchFamily="34" charset="-122"/>
+                <a:ea typeface="微软雅黑" panose="020B0503020204020204" pitchFamily="34" charset="-122"/>
+              </a:rPr>
+              <a:t>E</a:t>
+            </a:r>
+            <a:r>
+              <a:rPr lang="en-US" altLang="zh-CN" sz="1600" b="1" i="0" dirty="0">
+                <a:effectLst/>
+                <a:latin typeface="微软雅黑" panose="020B0503020204020204" pitchFamily="34" charset="-122"/>
+                <a:ea typeface="微软雅黑" panose="020B0503020204020204" pitchFamily="34" charset="-122"/>
+              </a:rPr>
+              <a:t>xpression </a:t>
+            </a:r>
+            <a:r>
+              <a:rPr lang="en-US" altLang="zh-CN" sz="1600" b="1" dirty="0">
+                <a:latin typeface="微软雅黑" panose="020B0503020204020204" pitchFamily="34" charset="-122"/>
+                <a:ea typeface="微软雅黑" panose="020B0503020204020204" pitchFamily="34" charset="-122"/>
+              </a:rPr>
+              <a:t>: </a:t>
+            </a:r>
+            <a:r>
+              <a:rPr lang="zh-CN" altLang="en-US" sz="1600" b="1" dirty="0">
+                <a:latin typeface="微软雅黑" panose="020B0503020204020204" pitchFamily="34" charset="-122"/>
+                <a:ea typeface="微软雅黑" panose="020B0503020204020204" pitchFamily="34" charset="-122"/>
+              </a:rPr>
+              <a:t> </a:t>
+            </a:r>
+            <a:endParaRPr lang="en-US" altLang="zh-CN" sz="1600" b="1" i="0" dirty="0">
+              <a:effectLst/>
+              <a:latin typeface="微软雅黑" panose="020B0503020204020204" pitchFamily="34" charset="-122"/>
+              <a:ea typeface="微软雅黑" panose="020B0503020204020204" pitchFamily="34" charset="-122"/>
+            </a:endParaRPr>
+          </a:p>
+        </p:txBody>
+      </p:sp>
+      <p:sp>
+        <p:nvSpPr>
+          <p:cNvPr id="28" name="文本框 27">
+            <a:extLst>
+              <a:ext uri="{FF2B5EF4-FFF2-40B4-BE49-F238E27FC236}">
+                <a16:creationId xmlns:a16="http://schemas.microsoft.com/office/drawing/2014/main" id="{C0CF9A99-6136-C349-26E9-9DDB753DF72B}"/>
+              </a:ext>
+            </a:extLst>
+          </p:cNvPr>
+          <p:cNvSpPr txBox="1"/>
+          <p:nvPr/>
+        </p:nvSpPr>
+        <p:spPr>
+          <a:xfrm>
+            <a:off x="8460480" y="3347956"/>
+            <a:ext cx="2312193" cy="338554"/>
+          </a:xfrm>
+          <a:prstGeom prst="rect">
+            <a:avLst/>
+          </a:prstGeom>
+          <a:noFill/>
+        </p:spPr>
+        <p:txBody>
+          <a:bodyPr wrap="square">
+            <a:spAutoFit/>
+          </a:bodyPr>
+          <a:lstStyle/>
+          <a:p>
+            <a:pPr algn="l">
+              <a:spcAft>
+                <a:spcPts val="600"/>
+              </a:spcAft>
+              <a:buNone/>
+            </a:pPr>
+            <a:r>
+              <a:rPr lang="en-US" altLang="zh-CN" sz="1600" b="1" i="0" dirty="0">
+                <a:effectLst/>
+                <a:latin typeface="微软雅黑" panose="020B0503020204020204" pitchFamily="34" charset="-122"/>
+                <a:ea typeface="微软雅黑" panose="020B0503020204020204" pitchFamily="34" charset="-122"/>
+              </a:rPr>
+              <a:t>Unified </a:t>
+            </a:r>
+            <a:r>
+              <a:rPr lang="en-US" altLang="zh-CN" sz="1600" b="1" dirty="0">
+                <a:latin typeface="微软雅黑" panose="020B0503020204020204" pitchFamily="34" charset="-122"/>
+                <a:ea typeface="微软雅黑" panose="020B0503020204020204" pitchFamily="34" charset="-122"/>
+              </a:rPr>
+              <a:t>E</a:t>
+            </a:r>
+            <a:r>
+              <a:rPr lang="en-US" altLang="zh-CN" sz="1600" b="1" i="0" dirty="0">
+                <a:effectLst/>
+                <a:latin typeface="微软雅黑" panose="020B0503020204020204" pitchFamily="34" charset="-122"/>
+                <a:ea typeface="微软雅黑" panose="020B0503020204020204" pitchFamily="34" charset="-122"/>
+              </a:rPr>
+              <a:t>xpression </a:t>
+            </a:r>
+            <a:r>
+              <a:rPr lang="en-US" altLang="zh-CN" sz="1600" b="1" dirty="0">
+                <a:latin typeface="微软雅黑" panose="020B0503020204020204" pitchFamily="34" charset="-122"/>
+                <a:ea typeface="微软雅黑" panose="020B0503020204020204" pitchFamily="34" charset="-122"/>
+              </a:rPr>
+              <a:t>: </a:t>
+            </a:r>
+            <a:r>
+              <a:rPr lang="zh-CN" altLang="en-US" sz="1600" b="1" dirty="0">
+                <a:latin typeface="微软雅黑" panose="020B0503020204020204" pitchFamily="34" charset="-122"/>
+                <a:ea typeface="微软雅黑" panose="020B0503020204020204" pitchFamily="34" charset="-122"/>
+              </a:rPr>
+              <a:t> </a:t>
+            </a:r>
+            <a:endParaRPr lang="en-US" altLang="zh-CN" sz="1600" b="1" i="0" dirty="0">
+              <a:effectLst/>
+              <a:latin typeface="微软雅黑" panose="020B0503020204020204" pitchFamily="34" charset="-122"/>
+              <a:ea typeface="微软雅黑" panose="020B0503020204020204" pitchFamily="34" charset="-122"/>
+            </a:endParaRPr>
+          </a:p>
+        </p:txBody>
+      </p:sp>
+      <p:cxnSp>
+        <p:nvCxnSpPr>
+          <p:cNvPr id="29" name="直接连接符 28">
+            <a:extLst>
+              <a:ext uri="{FF2B5EF4-FFF2-40B4-BE49-F238E27FC236}">
+                <a16:creationId xmlns:a16="http://schemas.microsoft.com/office/drawing/2014/main" id="{F2EAE8EB-86F1-231F-D617-969CCC38D580}"/>
+              </a:ext>
+            </a:extLst>
+          </p:cNvPr>
+          <p:cNvCxnSpPr>
+            <a:cxnSpLocks/>
+          </p:cNvCxnSpPr>
+          <p:nvPr/>
+        </p:nvCxnSpPr>
+        <p:spPr>
+          <a:xfrm rot="8100000">
+            <a:off x="3684522" y="-808810"/>
+            <a:ext cx="11520000" cy="11520000"/>
+          </a:xfrm>
+          <a:prstGeom prst="line">
+            <a:avLst/>
+          </a:prstGeom>
+          <a:ln>
+            <a:prstDash val="dash"/>
+          </a:ln>
+        </p:spPr>
+        <p:style>
+          <a:lnRef idx="2">
+            <a:schemeClr val="accent1"/>
+          </a:lnRef>
+          <a:fillRef idx="0">
+            <a:schemeClr val="accent1"/>
+          </a:fillRef>
+          <a:effectRef idx="1">
+            <a:schemeClr val="accent1"/>
+          </a:effectRef>
+          <a:fontRef idx="minor">
+            <a:schemeClr val="tx1"/>
+          </a:fontRef>
+        </p:style>
+      </p:cxnSp>
+      <p:cxnSp>
+        <p:nvCxnSpPr>
+          <p:cNvPr id="30" name="直接连接符 29">
+            <a:extLst>
+              <a:ext uri="{FF2B5EF4-FFF2-40B4-BE49-F238E27FC236}">
+                <a16:creationId xmlns:a16="http://schemas.microsoft.com/office/drawing/2014/main" id="{6A50DD91-8E51-D0A7-404B-D37DE0EC43D1}"/>
+              </a:ext>
+            </a:extLst>
+          </p:cNvPr>
+          <p:cNvCxnSpPr>
+            <a:cxnSpLocks/>
+          </p:cNvCxnSpPr>
+          <p:nvPr/>
+        </p:nvCxnSpPr>
+        <p:spPr>
+          <a:xfrm rot="2700000">
+            <a:off x="192537" y="4165603"/>
+            <a:ext cx="5400000" cy="5400000"/>
+          </a:xfrm>
+          <a:prstGeom prst="line">
+            <a:avLst/>
+          </a:prstGeom>
+          <a:ln>
+            <a:prstDash val="dash"/>
+          </a:ln>
+        </p:spPr>
+        <p:style>
+          <a:lnRef idx="2">
+            <a:schemeClr val="accent1"/>
+          </a:lnRef>
+          <a:fillRef idx="0">
+            <a:schemeClr val="accent1"/>
+          </a:fillRef>
+          <a:effectRef idx="1">
+            <a:schemeClr val="accent1"/>
+          </a:effectRef>
+          <a:fontRef idx="minor">
+            <a:schemeClr val="tx1"/>
+          </a:fontRef>
+        </p:style>
+      </p:cxnSp>
+      <p:sp>
+        <p:nvSpPr>
+          <p:cNvPr id="31" name="文本框 30">
+            <a:extLst>
+              <a:ext uri="{FF2B5EF4-FFF2-40B4-BE49-F238E27FC236}">
+                <a16:creationId xmlns:a16="http://schemas.microsoft.com/office/drawing/2014/main" id="{ECF8189C-DC87-6928-98B7-3665C8FF9E6F}"/>
+              </a:ext>
+            </a:extLst>
+          </p:cNvPr>
+          <p:cNvSpPr txBox="1"/>
+          <p:nvPr/>
+        </p:nvSpPr>
+        <p:spPr>
+          <a:xfrm>
+            <a:off x="8460480" y="5280872"/>
+            <a:ext cx="2312193" cy="338554"/>
+          </a:xfrm>
+          <a:prstGeom prst="rect">
+            <a:avLst/>
+          </a:prstGeom>
+          <a:noFill/>
+        </p:spPr>
+        <p:txBody>
+          <a:bodyPr wrap="square">
+            <a:spAutoFit/>
+          </a:bodyPr>
+          <a:lstStyle/>
+          <a:p>
+            <a:pPr algn="l">
+              <a:spcAft>
+                <a:spcPts val="600"/>
+              </a:spcAft>
+              <a:buNone/>
+            </a:pPr>
+            <a:r>
+              <a:rPr lang="en-US" altLang="zh-CN" sz="1600" b="1" i="0" dirty="0">
+                <a:effectLst/>
+                <a:latin typeface="微软雅黑" panose="020B0503020204020204" pitchFamily="34" charset="-122"/>
+                <a:ea typeface="微软雅黑" panose="020B0503020204020204" pitchFamily="34" charset="-122"/>
+              </a:rPr>
+              <a:t>Unified </a:t>
+            </a:r>
+            <a:r>
+              <a:rPr lang="en-US" altLang="zh-CN" sz="1600" b="1" dirty="0">
+                <a:latin typeface="微软雅黑" panose="020B0503020204020204" pitchFamily="34" charset="-122"/>
+                <a:ea typeface="微软雅黑" panose="020B0503020204020204" pitchFamily="34" charset="-122"/>
+              </a:rPr>
+              <a:t>E</a:t>
+            </a:r>
+            <a:r>
+              <a:rPr lang="en-US" altLang="zh-CN" sz="1600" b="1" i="0" dirty="0">
+                <a:effectLst/>
+                <a:latin typeface="微软雅黑" panose="020B0503020204020204" pitchFamily="34" charset="-122"/>
+                <a:ea typeface="微软雅黑" panose="020B0503020204020204" pitchFamily="34" charset="-122"/>
+              </a:rPr>
+              <a:t>xpression </a:t>
+            </a:r>
+            <a:r>
+              <a:rPr lang="en-US" altLang="zh-CN" sz="1600" b="1" dirty="0">
+                <a:latin typeface="微软雅黑" panose="020B0503020204020204" pitchFamily="34" charset="-122"/>
+                <a:ea typeface="微软雅黑" panose="020B0503020204020204" pitchFamily="34" charset="-122"/>
+              </a:rPr>
+              <a:t>: </a:t>
+            </a:r>
+            <a:r>
+              <a:rPr lang="zh-CN" altLang="en-US" sz="1600" b="1" dirty="0">
+                <a:latin typeface="微软雅黑" panose="020B0503020204020204" pitchFamily="34" charset="-122"/>
+                <a:ea typeface="微软雅黑" panose="020B0503020204020204" pitchFamily="34" charset="-122"/>
+              </a:rPr>
+              <a:t> </a:t>
+            </a:r>
+            <a:endParaRPr lang="en-US" altLang="zh-CN" sz="1600" b="1" i="0" dirty="0">
+              <a:effectLst/>
+              <a:latin typeface="微软雅黑" panose="020B0503020204020204" pitchFamily="34" charset="-122"/>
+              <a:ea typeface="微软雅黑" panose="020B0503020204020204" pitchFamily="34" charset="-122"/>
+            </a:endParaRPr>
+          </a:p>
+        </p:txBody>
+      </p:sp>
+      <mc:AlternateContent xmlns:mc="http://schemas.openxmlformats.org/markup-compatibility/2006">
+        <mc:Choice xmlns:a14="http://schemas.microsoft.com/office/drawing/2010/main" Requires="a14">
+          <p:sp>
+            <p:nvSpPr>
+              <p:cNvPr id="32" name="文本框 31">
+                <a:extLst>
+                  <a:ext uri="{FF2B5EF4-FFF2-40B4-BE49-F238E27FC236}">
+                    <a16:creationId xmlns:a16="http://schemas.microsoft.com/office/drawing/2014/main" id="{20F54ECB-A1FA-56A8-C557-71E56ED98FAC}"/>
+                  </a:ext>
+                </a:extLst>
+              </p:cNvPr>
+              <p:cNvSpPr txBox="1"/>
+              <p:nvPr/>
+            </p:nvSpPr>
+            <p:spPr>
+              <a:xfrm>
+                <a:off x="3215439" y="3729251"/>
+                <a:ext cx="3430426" cy="335413"/>
+              </a:xfrm>
+              <a:prstGeom prst="rect">
+                <a:avLst/>
+              </a:prstGeom>
+              <a:noFill/>
+            </p:spPr>
+            <p:txBody>
+              <a:bodyPr wrap="none" lIns="0" tIns="0" rIns="0" bIns="0" rtlCol="0">
+                <a:spAutoFit/>
+              </a:bodyPr>
+              <a:lstStyle/>
+              <a:p>
+                <a14:m>
+                  <m:oMathPara xmlns:m="http://schemas.openxmlformats.org/officeDocument/2006/math">
+                    <m:oMathParaPr>
+                      <m:jc m:val="centerGroup"/>
+                    </m:oMathParaPr>
+                    <m:oMath xmlns:m="http://schemas.openxmlformats.org/officeDocument/2006/math">
+                      <m:sSub>
+                        <m:sSubPr>
+                          <m:ctrlPr>
+                            <a:rPr lang="en-US" altLang="zh-CN" b="1" smtClean="0">
+                              <a:latin typeface="Cambria Math" panose="02040503050406030204" pitchFamily="18" charset="0"/>
+                            </a:rPr>
+                          </m:ctrlPr>
+                        </m:sSubPr>
+                        <m:e>
+                          <m:r>
+                            <a:rPr lang="en-US" altLang="zh-CN" b="1" i="0" smtClean="0">
+                              <a:latin typeface="Cambria Math" panose="02040503050406030204" pitchFamily="18" charset="0"/>
+                            </a:rPr>
+                            <m:t>𝐱</m:t>
+                          </m:r>
+                        </m:e>
+                        <m:sub>
+                          <m:r>
+                            <a:rPr lang="en-US" altLang="zh-CN" b="1" i="0" smtClean="0">
+                              <a:latin typeface="Cambria Math" panose="02040503050406030204" pitchFamily="18" charset="0"/>
+                            </a:rPr>
+                            <m:t>𝐭</m:t>
+                          </m:r>
+                          <m:r>
+                            <a:rPr lang="en-US" altLang="zh-CN" b="1" i="0" smtClean="0">
+                              <a:latin typeface="Cambria Math" panose="02040503050406030204" pitchFamily="18" charset="0"/>
+                            </a:rPr>
+                            <m:t>−</m:t>
+                          </m:r>
+                          <m:r>
+                            <a:rPr lang="en-US" altLang="zh-CN" b="1" i="0" smtClean="0">
+                              <a:latin typeface="Cambria Math" panose="02040503050406030204" pitchFamily="18" charset="0"/>
+                            </a:rPr>
+                            <m:t>𝟏</m:t>
+                          </m:r>
+                        </m:sub>
+                      </m:sSub>
+                      <m:r>
+                        <a:rPr lang="en-US" altLang="zh-CN" b="1" i="0" smtClean="0">
+                          <a:latin typeface="Cambria Math" panose="02040503050406030204" pitchFamily="18" charset="0"/>
+                        </a:rPr>
+                        <m:t>=</m:t>
+                      </m:r>
+                      <m:sSub>
+                        <m:sSubPr>
+                          <m:ctrlPr>
+                            <a:rPr lang="en-US" altLang="zh-CN" b="1" i="0" smtClean="0">
+                              <a:latin typeface="Cambria Math" panose="02040503050406030204" pitchFamily="18" charset="0"/>
+                            </a:rPr>
+                          </m:ctrlPr>
+                        </m:sSubPr>
+                        <m:e>
+                          <m:r>
+                            <a:rPr lang="en-US" altLang="zh-CN" b="1" i="0" smtClean="0">
+                              <a:latin typeface="Cambria Math" panose="02040503050406030204" pitchFamily="18" charset="0"/>
+                            </a:rPr>
+                            <m:t>𝐱</m:t>
+                          </m:r>
+                        </m:e>
+                        <m:sub>
+                          <m:r>
+                            <a:rPr lang="en-US" altLang="zh-CN" b="1" i="0" smtClean="0">
+                              <a:latin typeface="Cambria Math" panose="02040503050406030204" pitchFamily="18" charset="0"/>
+                            </a:rPr>
+                            <m:t>𝐭</m:t>
+                          </m:r>
+                        </m:sub>
+                      </m:sSub>
+                      <m:r>
+                        <a:rPr lang="en-US" altLang="zh-CN" b="1" i="0" smtClean="0">
+                          <a:latin typeface="Cambria Math" panose="02040503050406030204" pitchFamily="18" charset="0"/>
+                        </a:rPr>
+                        <m:t>+</m:t>
+                      </m:r>
+                      <m:r>
+                        <a:rPr lang="en-US" altLang="zh-CN" b="1" i="0" smtClean="0">
+                          <a:latin typeface="Cambria Math" panose="02040503050406030204" pitchFamily="18" charset="0"/>
+                        </a:rPr>
+                        <m:t>𝐡</m:t>
+                      </m:r>
+                      <m:r>
+                        <a:rPr lang="en-US" altLang="zh-CN" b="1" i="0" smtClean="0">
+                          <a:latin typeface="Cambria Math" panose="02040503050406030204" pitchFamily="18" charset="0"/>
+                        </a:rPr>
+                        <m:t>∗</m:t>
+                      </m:r>
+                      <m:r>
+                        <a:rPr lang="zh-CN" altLang="en-US" b="1" i="1" smtClean="0">
+                          <a:latin typeface="Cambria Math" panose="02040503050406030204" pitchFamily="18" charset="0"/>
+                        </a:rPr>
+                        <m:t>𝛍</m:t>
+                      </m:r>
+                      <m:d>
+                        <m:dPr>
+                          <m:ctrlPr>
+                            <a:rPr lang="en-US" altLang="zh-CN" b="1" smtClean="0">
+                              <a:latin typeface="Cambria Math" panose="02040503050406030204" pitchFamily="18" charset="0"/>
+                            </a:rPr>
+                          </m:ctrlPr>
+                        </m:dPr>
+                        <m:e>
+                          <m:r>
+                            <a:rPr lang="en-US" altLang="zh-CN" b="1" i="0" smtClean="0">
+                              <a:latin typeface="Cambria Math" panose="02040503050406030204" pitchFamily="18" charset="0"/>
+                            </a:rPr>
+                            <m:t>𝐭</m:t>
+                          </m:r>
+                        </m:e>
+                      </m:d>
+                      <m:sSub>
+                        <m:sSubPr>
+                          <m:ctrlPr>
+                            <a:rPr lang="en-US" altLang="zh-CN" b="1" i="1">
+                              <a:latin typeface="Cambria Math" panose="02040503050406030204" pitchFamily="18" charset="0"/>
+                            </a:rPr>
+                          </m:ctrlPr>
+                        </m:sSubPr>
+                        <m:e>
+                          <m:r>
+                            <a:rPr lang="en-US" altLang="zh-CN" b="1">
+                              <a:latin typeface="Cambria Math" panose="02040503050406030204" pitchFamily="18" charset="0"/>
+                            </a:rPr>
+                            <m:t>𝐬</m:t>
+                          </m:r>
+                        </m:e>
+                        <m:sub>
+                          <m:r>
+                            <a:rPr lang="zh-CN" altLang="en-US" b="1">
+                              <a:latin typeface="Cambria Math" panose="02040503050406030204" pitchFamily="18" charset="0"/>
+                            </a:rPr>
+                            <m:t>𝛉</m:t>
+                          </m:r>
+                        </m:sub>
+                      </m:sSub>
+                      <m:r>
+                        <a:rPr lang="en-US" altLang="zh-CN" b="1" i="0" smtClean="0">
+                          <a:latin typeface="Cambria Math" panose="02040503050406030204" pitchFamily="18" charset="0"/>
+                        </a:rPr>
+                        <m:t>+</m:t>
+                      </m:r>
+                      <m:rad>
+                        <m:radPr>
+                          <m:degHide m:val="on"/>
+                          <m:ctrlPr>
+                            <a:rPr lang="en-US" altLang="zh-CN" b="1" i="1" smtClean="0">
+                              <a:latin typeface="Cambria Math" panose="02040503050406030204" pitchFamily="18" charset="0"/>
+                            </a:rPr>
+                          </m:ctrlPr>
+                        </m:radPr>
+                        <m:deg/>
+                        <m:e>
+                          <m:r>
+                            <a:rPr lang="en-US" altLang="zh-CN" b="1">
+                              <a:latin typeface="Cambria Math" panose="02040503050406030204" pitchFamily="18" charset="0"/>
+                            </a:rPr>
+                            <m:t>𝐠</m:t>
+                          </m:r>
+                          <m:d>
+                            <m:dPr>
+                              <m:ctrlPr>
+                                <a:rPr lang="en-US" altLang="zh-CN" b="1" i="1">
+                                  <a:latin typeface="Cambria Math" panose="02040503050406030204" pitchFamily="18" charset="0"/>
+                                </a:rPr>
+                              </m:ctrlPr>
+                            </m:dPr>
+                            <m:e>
+                              <m:r>
+                                <a:rPr lang="en-US" altLang="zh-CN" b="1">
+                                  <a:latin typeface="Cambria Math" panose="02040503050406030204" pitchFamily="18" charset="0"/>
+                                </a:rPr>
+                                <m:t>𝐭</m:t>
+                              </m:r>
+                            </m:e>
+                          </m:d>
+                          <m:r>
+                            <a:rPr lang="en-US" altLang="zh-CN" b="1" i="1" smtClean="0">
+                              <a:latin typeface="Cambria Math" panose="02040503050406030204" pitchFamily="18" charset="0"/>
+                            </a:rPr>
+                            <m:t>𝒉</m:t>
+                          </m:r>
+                        </m:e>
+                      </m:rad>
+                      <m:r>
+                        <a:rPr lang="en-US" altLang="zh-CN" b="1" i="0" smtClean="0">
+                          <a:latin typeface="Cambria Math" panose="02040503050406030204" pitchFamily="18" charset="0"/>
+                        </a:rPr>
+                        <m:t> </m:t>
+                      </m:r>
+                      <m:r>
+                        <a:rPr lang="zh-CN" altLang="en-US" b="1" i="0" smtClean="0">
+                          <a:latin typeface="Cambria Math" panose="02040503050406030204" pitchFamily="18" charset="0"/>
+                        </a:rPr>
+                        <m:t>𝛜</m:t>
+                      </m:r>
+                    </m:oMath>
+                  </m:oMathPara>
+                </a14:m>
+                <a:endParaRPr lang="zh-CN" altLang="en-US" b="1" dirty="0"/>
+              </a:p>
+            </p:txBody>
+          </p:sp>
+        </mc:Choice>
+        <mc:Fallback>
+          <p:sp>
+            <p:nvSpPr>
+              <p:cNvPr id="32" name="文本框 31">
+                <a:extLst>
+                  <a:ext uri="{FF2B5EF4-FFF2-40B4-BE49-F238E27FC236}">
+                    <a16:creationId xmlns:a16="http://schemas.microsoft.com/office/drawing/2014/main" id="{20F54ECB-A1FA-56A8-C557-71E56ED98FAC}"/>
+                  </a:ext>
+                </a:extLst>
+              </p:cNvPr>
+              <p:cNvSpPr txBox="1">
+                <a:spLocks noRot="1" noChangeAspect="1" noMove="1" noResize="1" noEditPoints="1" noAdjustHandles="1" noChangeArrowheads="1" noChangeShapeType="1" noTextEdit="1"/>
+              </p:cNvSpPr>
+              <p:nvPr/>
+            </p:nvSpPr>
+            <p:spPr>
+              <a:xfrm>
+                <a:off x="3215439" y="3729251"/>
+                <a:ext cx="3430426" cy="335413"/>
+              </a:xfrm>
+              <a:prstGeom prst="rect">
+                <a:avLst/>
+              </a:prstGeom>
+              <a:blipFill>
+                <a:blip r:embed="rId6"/>
+                <a:stretch>
+                  <a:fillRect l="-355" r="-355" b="-21818"/>
+                </a:stretch>
+              </a:blipFill>
+            </p:spPr>
+            <p:txBody>
+              <a:bodyPr/>
+              <a:lstStyle/>
+              <a:p>
+                <a:r>
+                  <a:rPr lang="zh-CN" altLang="en-US">
+                    <a:noFill/>
+                  </a:rPr>
+                  <a:t> </a:t>
+                </a:r>
+              </a:p>
+            </p:txBody>
+          </p:sp>
+        </mc:Fallback>
+      </mc:AlternateContent>
+      <mc:AlternateContent xmlns:mc="http://schemas.openxmlformats.org/markup-compatibility/2006">
+        <mc:Choice xmlns:a14="http://schemas.microsoft.com/office/drawing/2010/main" Requires="a14">
+          <p:sp>
+            <p:nvSpPr>
+              <p:cNvPr id="33" name="文本框 32">
+                <a:extLst>
+                  <a:ext uri="{FF2B5EF4-FFF2-40B4-BE49-F238E27FC236}">
+                    <a16:creationId xmlns:a16="http://schemas.microsoft.com/office/drawing/2014/main" id="{96C1FA9A-8525-4117-81E7-0B64A9B5A2D9}"/>
+                  </a:ext>
+                </a:extLst>
+              </p:cNvPr>
+              <p:cNvSpPr txBox="1"/>
+              <p:nvPr/>
+            </p:nvSpPr>
+            <p:spPr>
+              <a:xfrm>
+                <a:off x="3619419" y="5700789"/>
+                <a:ext cx="2269083" cy="276999"/>
+              </a:xfrm>
+              <a:prstGeom prst="rect">
+                <a:avLst/>
+              </a:prstGeom>
+              <a:noFill/>
+            </p:spPr>
+            <p:txBody>
+              <a:bodyPr wrap="none" lIns="0" tIns="0" rIns="0" bIns="0" rtlCol="0">
+                <a:spAutoFit/>
+              </a:bodyPr>
+              <a:lstStyle/>
+              <a:p>
+                <a14:m>
+                  <m:oMathPara xmlns:m="http://schemas.openxmlformats.org/officeDocument/2006/math">
+                    <m:oMathParaPr>
+                      <m:jc m:val="centerGroup"/>
+                    </m:oMathParaPr>
+                    <m:oMath xmlns:m="http://schemas.openxmlformats.org/officeDocument/2006/math">
+                      <m:sSub>
+                        <m:sSubPr>
+                          <m:ctrlPr>
+                            <a:rPr lang="en-US" altLang="zh-CN" b="1" smtClean="0">
+                              <a:latin typeface="Cambria Math" panose="02040503050406030204" pitchFamily="18" charset="0"/>
+                            </a:rPr>
+                          </m:ctrlPr>
+                        </m:sSubPr>
+                        <m:e>
+                          <m:r>
+                            <a:rPr lang="en-US" altLang="zh-CN" b="1" i="0" smtClean="0">
+                              <a:latin typeface="Cambria Math" panose="02040503050406030204" pitchFamily="18" charset="0"/>
+                            </a:rPr>
+                            <m:t>𝐱</m:t>
+                          </m:r>
+                        </m:e>
+                        <m:sub>
+                          <m:r>
+                            <a:rPr lang="en-US" altLang="zh-CN" b="1" i="0" smtClean="0">
+                              <a:latin typeface="Cambria Math" panose="02040503050406030204" pitchFamily="18" charset="0"/>
+                            </a:rPr>
+                            <m:t>𝐭</m:t>
+                          </m:r>
+                          <m:r>
+                            <a:rPr lang="en-US" altLang="zh-CN" b="1" i="0" smtClean="0">
+                              <a:latin typeface="Cambria Math" panose="02040503050406030204" pitchFamily="18" charset="0"/>
+                            </a:rPr>
+                            <m:t>−</m:t>
+                          </m:r>
+                          <m:r>
+                            <a:rPr lang="en-US" altLang="zh-CN" b="1" i="0" smtClean="0">
+                              <a:latin typeface="Cambria Math" panose="02040503050406030204" pitchFamily="18" charset="0"/>
+                            </a:rPr>
+                            <m:t>𝟏</m:t>
+                          </m:r>
+                        </m:sub>
+                      </m:sSub>
+                      <m:r>
+                        <a:rPr lang="en-US" altLang="zh-CN" b="1" i="0" smtClean="0">
+                          <a:latin typeface="Cambria Math" panose="02040503050406030204" pitchFamily="18" charset="0"/>
+                        </a:rPr>
+                        <m:t>=</m:t>
+                      </m:r>
+                      <m:sSub>
+                        <m:sSubPr>
+                          <m:ctrlPr>
+                            <a:rPr lang="en-US" altLang="zh-CN" b="1" i="0" smtClean="0">
+                              <a:latin typeface="Cambria Math" panose="02040503050406030204" pitchFamily="18" charset="0"/>
+                            </a:rPr>
+                          </m:ctrlPr>
+                        </m:sSubPr>
+                        <m:e>
+                          <m:r>
+                            <a:rPr lang="en-US" altLang="zh-CN" b="1" i="0" smtClean="0">
+                              <a:latin typeface="Cambria Math" panose="02040503050406030204" pitchFamily="18" charset="0"/>
+                            </a:rPr>
+                            <m:t>𝐱</m:t>
+                          </m:r>
+                        </m:e>
+                        <m:sub>
+                          <m:r>
+                            <a:rPr lang="en-US" altLang="zh-CN" b="1" i="0" smtClean="0">
+                              <a:latin typeface="Cambria Math" panose="02040503050406030204" pitchFamily="18" charset="0"/>
+                            </a:rPr>
+                            <m:t>𝐭</m:t>
+                          </m:r>
+                        </m:sub>
+                      </m:sSub>
+                      <m:r>
+                        <a:rPr lang="en-US" altLang="zh-CN" b="1" i="0" smtClean="0">
+                          <a:latin typeface="Cambria Math" panose="02040503050406030204" pitchFamily="18" charset="0"/>
+                        </a:rPr>
+                        <m:t>+</m:t>
+                      </m:r>
+                      <m:r>
+                        <a:rPr lang="en-US" altLang="zh-CN" b="1" i="0" smtClean="0">
+                          <a:latin typeface="Cambria Math" panose="02040503050406030204" pitchFamily="18" charset="0"/>
+                        </a:rPr>
+                        <m:t>𝐡</m:t>
+                      </m:r>
+                      <m:r>
+                        <a:rPr lang="en-US" altLang="zh-CN" b="1" i="0" smtClean="0">
+                          <a:latin typeface="Cambria Math" panose="02040503050406030204" pitchFamily="18" charset="0"/>
+                        </a:rPr>
+                        <m:t>∗</m:t>
+                      </m:r>
+                      <m:r>
+                        <a:rPr lang="zh-CN" altLang="en-US" b="1" i="1" smtClean="0">
+                          <a:latin typeface="Cambria Math" panose="02040503050406030204" pitchFamily="18" charset="0"/>
+                        </a:rPr>
+                        <m:t>𝛍</m:t>
+                      </m:r>
+                      <m:d>
+                        <m:dPr>
+                          <m:ctrlPr>
+                            <a:rPr lang="en-US" altLang="zh-CN" b="1" smtClean="0">
+                              <a:latin typeface="Cambria Math" panose="02040503050406030204" pitchFamily="18" charset="0"/>
+                            </a:rPr>
+                          </m:ctrlPr>
+                        </m:dPr>
+                        <m:e>
+                          <m:r>
+                            <a:rPr lang="en-US" altLang="zh-CN" b="1" i="0" smtClean="0">
+                              <a:latin typeface="Cambria Math" panose="02040503050406030204" pitchFamily="18" charset="0"/>
+                            </a:rPr>
+                            <m:t>𝐭</m:t>
+                          </m:r>
+                        </m:e>
+                      </m:d>
+                      <m:sSub>
+                        <m:sSubPr>
+                          <m:ctrlPr>
+                            <a:rPr lang="en-US" altLang="zh-CN" b="1" i="1">
+                              <a:latin typeface="Cambria Math" panose="02040503050406030204" pitchFamily="18" charset="0"/>
+                            </a:rPr>
+                          </m:ctrlPr>
+                        </m:sSubPr>
+                        <m:e>
+                          <m:r>
+                            <a:rPr lang="en-US" altLang="zh-CN" b="1">
+                              <a:latin typeface="Cambria Math" panose="02040503050406030204" pitchFamily="18" charset="0"/>
+                            </a:rPr>
+                            <m:t>𝐬</m:t>
+                          </m:r>
+                        </m:e>
+                        <m:sub>
+                          <m:r>
+                            <a:rPr lang="zh-CN" altLang="en-US" b="1">
+                              <a:latin typeface="Cambria Math" panose="02040503050406030204" pitchFamily="18" charset="0"/>
+                            </a:rPr>
+                            <m:t>𝛉</m:t>
+                          </m:r>
+                        </m:sub>
+                      </m:sSub>
+                    </m:oMath>
+                  </m:oMathPara>
+                </a14:m>
+                <a:endParaRPr lang="zh-CN" altLang="en-US" b="1" dirty="0"/>
+              </a:p>
+            </p:txBody>
+          </p:sp>
+        </mc:Choice>
+        <mc:Fallback>
+          <p:sp>
+            <p:nvSpPr>
+              <p:cNvPr id="33" name="文本框 32">
+                <a:extLst>
+                  <a:ext uri="{FF2B5EF4-FFF2-40B4-BE49-F238E27FC236}">
+                    <a16:creationId xmlns:a16="http://schemas.microsoft.com/office/drawing/2014/main" id="{96C1FA9A-8525-4117-81E7-0B64A9B5A2D9}"/>
+                  </a:ext>
+                </a:extLst>
+              </p:cNvPr>
+              <p:cNvSpPr txBox="1">
+                <a:spLocks noRot="1" noChangeAspect="1" noMove="1" noResize="1" noEditPoints="1" noAdjustHandles="1" noChangeArrowheads="1" noChangeShapeType="1" noTextEdit="1"/>
+              </p:cNvSpPr>
+              <p:nvPr/>
+            </p:nvSpPr>
+            <p:spPr>
+              <a:xfrm>
+                <a:off x="3619419" y="5700789"/>
+                <a:ext cx="2269083" cy="276999"/>
+              </a:xfrm>
+              <a:prstGeom prst="rect">
+                <a:avLst/>
+              </a:prstGeom>
+              <a:blipFill>
+                <a:blip r:embed="rId7"/>
+                <a:stretch>
+                  <a:fillRect l="-806" r="-538" b="-21739"/>
+                </a:stretch>
+              </a:blipFill>
+            </p:spPr>
+            <p:txBody>
+              <a:bodyPr/>
+              <a:lstStyle/>
+              <a:p>
+                <a:r>
+                  <a:rPr lang="zh-CN" altLang="en-US">
+                    <a:noFill/>
+                  </a:rPr>
+                  <a:t> </a:t>
+                </a:r>
+              </a:p>
+            </p:txBody>
+          </p:sp>
+        </mc:Fallback>
+      </mc:AlternateContent>
+      <p:sp>
+        <p:nvSpPr>
+          <p:cNvPr id="34" name="文本框 33">
+            <a:extLst>
+              <a:ext uri="{FF2B5EF4-FFF2-40B4-BE49-F238E27FC236}">
+                <a16:creationId xmlns:a16="http://schemas.microsoft.com/office/drawing/2014/main" id="{F13D8969-65F1-AE88-64D5-629E60E808C4}"/>
+              </a:ext>
+            </a:extLst>
+          </p:cNvPr>
+          <p:cNvSpPr txBox="1"/>
+          <p:nvPr/>
+        </p:nvSpPr>
+        <p:spPr>
+          <a:xfrm>
+            <a:off x="2892537" y="4384268"/>
+            <a:ext cx="4151811" cy="338554"/>
+          </a:xfrm>
+          <a:prstGeom prst="rect">
+            <a:avLst/>
+          </a:prstGeom>
+          <a:noFill/>
+        </p:spPr>
+        <p:txBody>
+          <a:bodyPr wrap="square">
+            <a:spAutoFit/>
+          </a:bodyPr>
+          <a:lstStyle/>
+          <a:p>
+            <a:pPr algn="l">
+              <a:buNone/>
+            </a:pPr>
+            <a:r>
+              <a:rPr lang="en-US" altLang="zh-CN" sz="1600" b="1" i="0" dirty="0">
+                <a:effectLst/>
+                <a:latin typeface="微软雅黑" panose="020B0503020204020204" pitchFamily="34" charset="-122"/>
+                <a:ea typeface="微软雅黑" panose="020B0503020204020204" pitchFamily="34" charset="-122"/>
+                <a:cs typeface="Times New Roman" panose="02020603050405020304" pitchFamily="18" charset="0"/>
+              </a:rPr>
+              <a:t>Example:  </a:t>
+            </a:r>
+            <a:r>
+              <a:rPr lang="en-US" altLang="zh-CN" sz="1600" i="0" dirty="0">
+                <a:effectLst/>
+                <a:latin typeface="微软雅黑" panose="020B0503020204020204" pitchFamily="34" charset="-122"/>
+                <a:ea typeface="微软雅黑" panose="020B0503020204020204" pitchFamily="34" charset="-122"/>
+                <a:cs typeface="Times New Roman" panose="02020603050405020304" pitchFamily="18" charset="0"/>
+              </a:rPr>
+              <a:t>DDPM, NCSN, …</a:t>
+            </a:r>
+          </a:p>
+        </p:txBody>
+      </p:sp>
+      <p:sp>
+        <p:nvSpPr>
+          <p:cNvPr id="35" name="文本框 34">
+            <a:extLst>
+              <a:ext uri="{FF2B5EF4-FFF2-40B4-BE49-F238E27FC236}">
+                <a16:creationId xmlns:a16="http://schemas.microsoft.com/office/drawing/2014/main" id="{63DE5297-0923-15A0-F822-0AF4F4DFDDCB}"/>
+              </a:ext>
+            </a:extLst>
+          </p:cNvPr>
+          <p:cNvSpPr txBox="1"/>
+          <p:nvPr/>
+        </p:nvSpPr>
+        <p:spPr>
+          <a:xfrm>
+            <a:off x="2995029" y="6186458"/>
+            <a:ext cx="4151811" cy="338554"/>
+          </a:xfrm>
+          <a:prstGeom prst="rect">
+            <a:avLst/>
+          </a:prstGeom>
+          <a:noFill/>
+        </p:spPr>
+        <p:txBody>
+          <a:bodyPr wrap="square">
+            <a:spAutoFit/>
+          </a:bodyPr>
+          <a:lstStyle/>
+          <a:p>
+            <a:pPr algn="l">
+              <a:buNone/>
+            </a:pPr>
+            <a:r>
+              <a:rPr lang="en-US" altLang="zh-CN" sz="1600" b="1" i="0" dirty="0">
+                <a:effectLst/>
+                <a:latin typeface="微软雅黑" panose="020B0503020204020204" pitchFamily="34" charset="-122"/>
+                <a:ea typeface="微软雅黑" panose="020B0503020204020204" pitchFamily="34" charset="-122"/>
+                <a:cs typeface="Times New Roman" panose="02020603050405020304" pitchFamily="18" charset="0"/>
+              </a:rPr>
+              <a:t>Example:  </a:t>
+            </a:r>
+            <a:r>
+              <a:rPr lang="en-US" altLang="zh-CN" sz="1600" i="0" dirty="0">
+                <a:effectLst/>
+                <a:latin typeface="微软雅黑" panose="020B0503020204020204" pitchFamily="34" charset="-122"/>
+                <a:ea typeface="微软雅黑" panose="020B0503020204020204" pitchFamily="34" charset="-122"/>
+                <a:cs typeface="Times New Roman" panose="02020603050405020304" pitchFamily="18" charset="0"/>
+              </a:rPr>
+              <a:t>DDIM, …</a:t>
+            </a:r>
+          </a:p>
+        </p:txBody>
+      </p:sp>
+      <p:sp>
+        <p:nvSpPr>
+          <p:cNvPr id="36" name="文本框 35">
+            <a:extLst>
+              <a:ext uri="{FF2B5EF4-FFF2-40B4-BE49-F238E27FC236}">
+                <a16:creationId xmlns:a16="http://schemas.microsoft.com/office/drawing/2014/main" id="{0BE06C27-A6B9-648C-67C0-838DE1CFF38C}"/>
+              </a:ext>
+            </a:extLst>
+          </p:cNvPr>
+          <p:cNvSpPr txBox="1"/>
+          <p:nvPr/>
+        </p:nvSpPr>
+        <p:spPr>
+          <a:xfrm>
+            <a:off x="2892537" y="3281169"/>
+            <a:ext cx="2312193" cy="338554"/>
+          </a:xfrm>
+          <a:prstGeom prst="rect">
+            <a:avLst/>
+          </a:prstGeom>
+          <a:noFill/>
+        </p:spPr>
+        <p:txBody>
+          <a:bodyPr wrap="square">
+            <a:spAutoFit/>
+          </a:bodyPr>
+          <a:lstStyle/>
+          <a:p>
+            <a:pPr algn="l">
+              <a:spcAft>
+                <a:spcPts val="600"/>
+              </a:spcAft>
+              <a:buNone/>
+            </a:pPr>
+            <a:r>
+              <a:rPr lang="en-US" altLang="zh-CN" sz="1600" b="1" i="0" dirty="0">
+                <a:effectLst/>
+                <a:latin typeface="微软雅黑" panose="020B0503020204020204" pitchFamily="34" charset="-122"/>
+                <a:ea typeface="微软雅黑" panose="020B0503020204020204" pitchFamily="34" charset="-122"/>
+              </a:rPr>
+              <a:t>Unified </a:t>
+            </a:r>
+            <a:r>
+              <a:rPr lang="en-US" altLang="zh-CN" sz="1600" b="1" dirty="0">
+                <a:latin typeface="微软雅黑" panose="020B0503020204020204" pitchFamily="34" charset="-122"/>
+                <a:ea typeface="微软雅黑" panose="020B0503020204020204" pitchFamily="34" charset="-122"/>
+              </a:rPr>
+              <a:t>E</a:t>
+            </a:r>
+            <a:r>
+              <a:rPr lang="en-US" altLang="zh-CN" sz="1600" b="1" i="0" dirty="0">
+                <a:effectLst/>
+                <a:latin typeface="微软雅黑" panose="020B0503020204020204" pitchFamily="34" charset="-122"/>
+                <a:ea typeface="微软雅黑" panose="020B0503020204020204" pitchFamily="34" charset="-122"/>
+              </a:rPr>
+              <a:t>xpression </a:t>
+            </a:r>
+            <a:r>
+              <a:rPr lang="en-US" altLang="zh-CN" sz="1600" b="1" dirty="0">
+                <a:latin typeface="微软雅黑" panose="020B0503020204020204" pitchFamily="34" charset="-122"/>
+                <a:ea typeface="微软雅黑" panose="020B0503020204020204" pitchFamily="34" charset="-122"/>
+              </a:rPr>
+              <a:t>: </a:t>
+            </a:r>
+            <a:r>
+              <a:rPr lang="zh-CN" altLang="en-US" sz="1600" b="1" dirty="0">
+                <a:latin typeface="微软雅黑" panose="020B0503020204020204" pitchFamily="34" charset="-122"/>
+                <a:ea typeface="微软雅黑" panose="020B0503020204020204" pitchFamily="34" charset="-122"/>
+              </a:rPr>
+              <a:t> </a:t>
+            </a:r>
+            <a:endParaRPr lang="en-US" altLang="zh-CN" sz="1600" b="1" i="0" dirty="0">
+              <a:effectLst/>
+              <a:latin typeface="微软雅黑" panose="020B0503020204020204" pitchFamily="34" charset="-122"/>
+              <a:ea typeface="微软雅黑" panose="020B0503020204020204" pitchFamily="34" charset="-122"/>
+            </a:endParaRPr>
+          </a:p>
+        </p:txBody>
+      </p:sp>
+      <p:sp>
+        <p:nvSpPr>
+          <p:cNvPr id="37" name="文本框 36">
+            <a:extLst>
+              <a:ext uri="{FF2B5EF4-FFF2-40B4-BE49-F238E27FC236}">
+                <a16:creationId xmlns:a16="http://schemas.microsoft.com/office/drawing/2014/main" id="{9F5FDEAE-B661-D026-0E0F-A114043EE391}"/>
+              </a:ext>
+            </a:extLst>
+          </p:cNvPr>
+          <p:cNvSpPr txBox="1"/>
+          <p:nvPr/>
+        </p:nvSpPr>
+        <p:spPr>
+          <a:xfrm>
+            <a:off x="2892536" y="5201170"/>
+            <a:ext cx="2312193" cy="338554"/>
+          </a:xfrm>
+          <a:prstGeom prst="rect">
+            <a:avLst/>
+          </a:prstGeom>
+          <a:noFill/>
+        </p:spPr>
+        <p:txBody>
+          <a:bodyPr wrap="square">
+            <a:spAutoFit/>
+          </a:bodyPr>
+          <a:lstStyle/>
+          <a:p>
+            <a:pPr algn="l">
+              <a:spcAft>
+                <a:spcPts val="600"/>
+              </a:spcAft>
+              <a:buNone/>
+            </a:pPr>
+            <a:r>
+              <a:rPr lang="en-US" altLang="zh-CN" sz="1600" b="1" i="0" dirty="0">
+                <a:effectLst/>
+                <a:latin typeface="微软雅黑" panose="020B0503020204020204" pitchFamily="34" charset="-122"/>
+                <a:ea typeface="微软雅黑" panose="020B0503020204020204" pitchFamily="34" charset="-122"/>
+              </a:rPr>
+              <a:t>Unified </a:t>
+            </a:r>
+            <a:r>
+              <a:rPr lang="en-US" altLang="zh-CN" sz="1600" b="1" dirty="0">
+                <a:latin typeface="微软雅黑" panose="020B0503020204020204" pitchFamily="34" charset="-122"/>
+                <a:ea typeface="微软雅黑" panose="020B0503020204020204" pitchFamily="34" charset="-122"/>
+              </a:rPr>
+              <a:t>E</a:t>
+            </a:r>
+            <a:r>
+              <a:rPr lang="en-US" altLang="zh-CN" sz="1600" b="1" i="0" dirty="0">
+                <a:effectLst/>
+                <a:latin typeface="微软雅黑" panose="020B0503020204020204" pitchFamily="34" charset="-122"/>
+                <a:ea typeface="微软雅黑" panose="020B0503020204020204" pitchFamily="34" charset="-122"/>
+              </a:rPr>
+              <a:t>xpression </a:t>
+            </a:r>
+            <a:r>
+              <a:rPr lang="en-US" altLang="zh-CN" sz="1600" b="1" dirty="0">
+                <a:latin typeface="微软雅黑" panose="020B0503020204020204" pitchFamily="34" charset="-122"/>
+                <a:ea typeface="微软雅黑" panose="020B0503020204020204" pitchFamily="34" charset="-122"/>
+              </a:rPr>
+              <a:t>: </a:t>
+            </a:r>
+            <a:r>
+              <a:rPr lang="zh-CN" altLang="en-US" sz="1600" b="1" dirty="0">
+                <a:latin typeface="微软雅黑" panose="020B0503020204020204" pitchFamily="34" charset="-122"/>
+                <a:ea typeface="微软雅黑" panose="020B0503020204020204" pitchFamily="34" charset="-122"/>
+              </a:rPr>
+              <a:t> </a:t>
+            </a:r>
+            <a:endParaRPr lang="en-US" altLang="zh-CN" sz="1600" b="1" i="0" dirty="0">
+              <a:effectLst/>
+              <a:latin typeface="微软雅黑" panose="020B0503020204020204" pitchFamily="34" charset="-122"/>
+              <a:ea typeface="微软雅黑" panose="020B0503020204020204" pitchFamily="34" charset="-122"/>
+            </a:endParaRPr>
+          </a:p>
+        </p:txBody>
+      </p:sp>
+      <p:sp>
+        <p:nvSpPr>
+          <p:cNvPr id="38" name="箭头: 左右 37">
+            <a:extLst>
+              <a:ext uri="{FF2B5EF4-FFF2-40B4-BE49-F238E27FC236}">
+                <a16:creationId xmlns:a16="http://schemas.microsoft.com/office/drawing/2014/main" id="{8C77C7AA-C24B-3630-E76F-B793563A6E65}"/>
+              </a:ext>
+            </a:extLst>
+          </p:cNvPr>
+          <p:cNvSpPr/>
+          <p:nvPr/>
+        </p:nvSpPr>
+        <p:spPr>
+          <a:xfrm>
+            <a:off x="5646835" y="201968"/>
+            <a:ext cx="2508903" cy="307777"/>
+          </a:xfrm>
+          <a:prstGeom prst="leftRightArrow">
+            <a:avLst/>
+          </a:prstGeom>
+          <a:noFill/>
+          <a:ln w="12700"/>
+        </p:spPr>
+        <p:style>
+          <a:lnRef idx="2">
+            <a:schemeClr val="accent1">
+              <a:shade val="15000"/>
+            </a:schemeClr>
+          </a:lnRef>
+          <a:fillRef idx="1">
+            <a:schemeClr val="accent1"/>
+          </a:fillRef>
+          <a:effectRef idx="0">
+            <a:schemeClr val="accent1"/>
+          </a:effectRef>
+          <a:fontRef idx="minor">
+            <a:schemeClr val="lt1"/>
+          </a:fontRef>
+        </p:style>
+        <p:txBody>
+          <a:bodyPr rtlCol="0" anchor="ctr"/>
+          <a:lstStyle/>
+          <a:p>
+            <a:pPr algn="ctr"/>
+            <a:endParaRPr lang="zh-CN" altLang="en-US"/>
+          </a:p>
+        </p:txBody>
+      </p:sp>
+      <p:cxnSp>
+        <p:nvCxnSpPr>
+          <p:cNvPr id="39" name="直接连接符 38">
+            <a:extLst>
+              <a:ext uri="{FF2B5EF4-FFF2-40B4-BE49-F238E27FC236}">
+                <a16:creationId xmlns:a16="http://schemas.microsoft.com/office/drawing/2014/main" id="{FCBCF85B-A52F-3DB0-CAAA-4A00A3F64E3A}"/>
+              </a:ext>
+            </a:extLst>
+          </p:cNvPr>
+          <p:cNvCxnSpPr>
+            <a:cxnSpLocks/>
+          </p:cNvCxnSpPr>
+          <p:nvPr/>
+        </p:nvCxnSpPr>
+        <p:spPr>
+          <a:xfrm rot="2700000">
+            <a:off x="6371643" y="-1106300"/>
+            <a:ext cx="1080000" cy="1080000"/>
+          </a:xfrm>
+          <a:prstGeom prst="line">
+            <a:avLst/>
+          </a:prstGeom>
+          <a:ln>
+            <a:prstDash val="dash"/>
+          </a:ln>
+        </p:spPr>
+        <p:style>
+          <a:lnRef idx="2">
+            <a:schemeClr val="accent1"/>
+          </a:lnRef>
+          <a:fillRef idx="0">
+            <a:schemeClr val="accent1"/>
+          </a:fillRef>
+          <a:effectRef idx="1">
+            <a:schemeClr val="accent1"/>
+          </a:effectRef>
+          <a:fontRef idx="minor">
+            <a:schemeClr val="tx1"/>
+          </a:fontRef>
+        </p:style>
+      </p:cxnSp>
+      <p:sp>
+        <p:nvSpPr>
+          <p:cNvPr id="40" name="箭头: 下 39">
+            <a:extLst>
+              <a:ext uri="{FF2B5EF4-FFF2-40B4-BE49-F238E27FC236}">
+                <a16:creationId xmlns:a16="http://schemas.microsoft.com/office/drawing/2014/main" id="{366EDA19-B2CD-A95A-EF82-2C1A01B70891}"/>
+              </a:ext>
+            </a:extLst>
+          </p:cNvPr>
+          <p:cNvSpPr/>
+          <p:nvPr/>
+        </p:nvSpPr>
+        <p:spPr>
+          <a:xfrm>
+            <a:off x="349277" y="2629007"/>
+            <a:ext cx="279197" cy="1188675"/>
+          </a:xfrm>
+          <a:prstGeom prst="downArrow">
+            <a:avLst/>
+          </a:prstGeom>
+          <a:noFill/>
+          <a:ln w="12700"/>
+        </p:spPr>
+        <p:style>
+          <a:lnRef idx="2">
+            <a:schemeClr val="accent1">
+              <a:shade val="15000"/>
+            </a:schemeClr>
+          </a:lnRef>
+          <a:fillRef idx="1">
+            <a:schemeClr val="accent1"/>
+          </a:fillRef>
+          <a:effectRef idx="0">
+            <a:schemeClr val="accent1"/>
+          </a:effectRef>
+          <a:fontRef idx="minor">
+            <a:schemeClr val="lt1"/>
+          </a:fontRef>
+        </p:style>
+        <p:txBody>
+          <a:bodyPr rtlCol="0" anchor="ctr"/>
+          <a:lstStyle/>
+          <a:p>
+            <a:pPr algn="ctr"/>
+            <a:endParaRPr lang="zh-CN" altLang="en-US"/>
+          </a:p>
+        </p:txBody>
+      </p:sp>
+      <p:cxnSp>
+        <p:nvCxnSpPr>
+          <p:cNvPr id="41" name="直接连接符 40">
+            <a:extLst>
+              <a:ext uri="{FF2B5EF4-FFF2-40B4-BE49-F238E27FC236}">
+                <a16:creationId xmlns:a16="http://schemas.microsoft.com/office/drawing/2014/main" id="{56DAC798-F664-89AD-EDAA-C78499B97B04}"/>
+              </a:ext>
+            </a:extLst>
+          </p:cNvPr>
+          <p:cNvCxnSpPr>
+            <a:cxnSpLocks/>
+          </p:cNvCxnSpPr>
+          <p:nvPr/>
+        </p:nvCxnSpPr>
+        <p:spPr>
+          <a:xfrm rot="8100000">
+            <a:off x="-988500" y="2478274"/>
+            <a:ext cx="1080000" cy="1080000"/>
+          </a:xfrm>
+          <a:prstGeom prst="line">
+            <a:avLst/>
+          </a:prstGeom>
+          <a:ln>
+            <a:prstDash val="dash"/>
+          </a:ln>
+        </p:spPr>
+        <p:style>
+          <a:lnRef idx="2">
+            <a:schemeClr val="accent1"/>
+          </a:lnRef>
+          <a:fillRef idx="0">
+            <a:schemeClr val="accent1"/>
+          </a:fillRef>
+          <a:effectRef idx="1">
+            <a:schemeClr val="accent1"/>
+          </a:effectRef>
+          <a:fontRef idx="minor">
+            <a:schemeClr val="tx1"/>
+          </a:fontRef>
+        </p:style>
+      </p:cxnSp>
+    </p:spTree>
+    <p:extLst>
+      <p:ext uri="{BB962C8B-B14F-4D97-AF65-F5344CB8AC3E}">
+        <p14:creationId xmlns:p14="http://schemas.microsoft.com/office/powerpoint/2010/main" val="4259261270"/>
       </p:ext>
     </p:extLst>
   </p:cSld>
